--- a/docs/presentation.pptx
+++ b/docs/presentation.pptx
@@ -15,7 +15,8 @@
     <p:sldId id="273" r:id="rId9"/>
     <p:sldId id="272" r:id="rId10"/>
     <p:sldId id="268" r:id="rId11"/>
-    <p:sldId id="266" r:id="rId12"/>
+    <p:sldId id="274" r:id="rId12"/>
+    <p:sldId id="266" r:id="rId13"/>
   </p:sldIdLst>
   <p:sldSz cx="9144000" cy="6858000" type="screen4x3"/>
   <p:notesSz cx="6858000" cy="9144000"/>
@@ -326,7 +327,7 @@
           <a:p>
             <a:fld id="{CFE83B37-3004-4276-B635-69AEE58EF409}" type="datetimeFigureOut">
               <a:rPr lang="de-CH" smtClean="0"/>
-              <a:t>03.01.2020</a:t>
+              <a:t>14.01.2020</a:t>
             </a:fld>
             <a:endParaRPr lang="de-CH"/>
           </a:p>
@@ -593,7 +594,7 @@
           <a:p>
             <a:fld id="{CFE83B37-3004-4276-B635-69AEE58EF409}" type="datetimeFigureOut">
               <a:rPr lang="de-CH" smtClean="0"/>
-              <a:t>03.01.2020</a:t>
+              <a:t>14.01.2020</a:t>
             </a:fld>
             <a:endParaRPr lang="de-CH"/>
           </a:p>
@@ -768,7 +769,7 @@
           <a:p>
             <a:fld id="{CFE83B37-3004-4276-B635-69AEE58EF409}" type="datetimeFigureOut">
               <a:rPr lang="de-CH" smtClean="0"/>
-              <a:t>03.01.2020</a:t>
+              <a:t>14.01.2020</a:t>
             </a:fld>
             <a:endParaRPr lang="de-CH"/>
           </a:p>
@@ -933,7 +934,7 @@
           <a:p>
             <a:fld id="{CFE83B37-3004-4276-B635-69AEE58EF409}" type="datetimeFigureOut">
               <a:rPr lang="de-CH" smtClean="0"/>
-              <a:t>03.01.2020</a:t>
+              <a:t>14.01.2020</a:t>
             </a:fld>
             <a:endParaRPr lang="de-CH"/>
           </a:p>
@@ -1182,7 +1183,7 @@
           <a:p>
             <a:fld id="{CFE83B37-3004-4276-B635-69AEE58EF409}" type="datetimeFigureOut">
               <a:rPr lang="de-CH" smtClean="0"/>
-              <a:t>03.01.2020</a:t>
+              <a:t>14.01.2020</a:t>
             </a:fld>
             <a:endParaRPr lang="de-CH"/>
           </a:p>
@@ -1465,7 +1466,7 @@
           <a:p>
             <a:fld id="{CFE83B37-3004-4276-B635-69AEE58EF409}" type="datetimeFigureOut">
               <a:rPr lang="de-CH" smtClean="0"/>
-              <a:t>03.01.2020</a:t>
+              <a:t>14.01.2020</a:t>
             </a:fld>
             <a:endParaRPr lang="de-CH"/>
           </a:p>
@@ -1904,7 +1905,7 @@
           <a:p>
             <a:fld id="{CFE83B37-3004-4276-B635-69AEE58EF409}" type="datetimeFigureOut">
               <a:rPr lang="de-CH" smtClean="0"/>
-              <a:t>03.01.2020</a:t>
+              <a:t>14.01.2020</a:t>
             </a:fld>
             <a:endParaRPr lang="de-CH"/>
           </a:p>
@@ -2017,7 +2018,7 @@
           <a:p>
             <a:fld id="{CFE83B37-3004-4276-B635-69AEE58EF409}" type="datetimeFigureOut">
               <a:rPr lang="de-CH" smtClean="0"/>
-              <a:t>03.01.2020</a:t>
+              <a:t>14.01.2020</a:t>
             </a:fld>
             <a:endParaRPr lang="de-CH"/>
           </a:p>
@@ -2107,7 +2108,7 @@
           <a:p>
             <a:fld id="{CFE83B37-3004-4276-B635-69AEE58EF409}" type="datetimeFigureOut">
               <a:rPr lang="de-CH" smtClean="0"/>
-              <a:t>03.01.2020</a:t>
+              <a:t>14.01.2020</a:t>
             </a:fld>
             <a:endParaRPr lang="de-CH"/>
           </a:p>
@@ -2349,7 +2350,7 @@
           <a:p>
             <a:fld id="{CFE83B37-3004-4276-B635-69AEE58EF409}" type="datetimeFigureOut">
               <a:rPr lang="de-CH" smtClean="0"/>
-              <a:t>03.01.2020</a:t>
+              <a:t>14.01.2020</a:t>
             </a:fld>
             <a:endParaRPr lang="de-CH"/>
           </a:p>
@@ -2643,7 +2644,7 @@
           <a:p>
             <a:fld id="{CFE83B37-3004-4276-B635-69AEE58EF409}" type="datetimeFigureOut">
               <a:rPr lang="de-CH" smtClean="0"/>
-              <a:t>03.01.2020</a:t>
+              <a:t>14.01.2020</a:t>
             </a:fld>
             <a:endParaRPr lang="de-CH"/>
           </a:p>
@@ -2937,7 +2938,7 @@
           <a:p>
             <a:fld id="{CFE83B37-3004-4276-B635-69AEE58EF409}" type="datetimeFigureOut">
               <a:rPr lang="de-CH" smtClean="0"/>
-              <a:t>03.01.2020</a:t>
+              <a:t>14.01.2020</a:t>
             </a:fld>
             <a:endParaRPr lang="de-CH"/>
           </a:p>
@@ -3738,6 +3739,130 @@
             <p:ph type="title"/>
           </p:nvPr>
         </p:nvSpPr>
+        <p:spPr/>
+        <p:txBody>
+          <a:bodyPr/>
+          <a:lstStyle/>
+          <a:p>
+            <a:r>
+              <a:rPr lang="de-CH" dirty="0" err="1" smtClean="0"/>
+              <a:t>Lessons</a:t>
+            </a:r>
+            <a:r>
+              <a:rPr lang="de-CH" dirty="0" smtClean="0"/>
+              <a:t> </a:t>
+            </a:r>
+            <a:r>
+              <a:rPr lang="de-CH" dirty="0" err="1" smtClean="0"/>
+              <a:t>learned</a:t>
+            </a:r>
+            <a:endParaRPr lang="de-CH" dirty="0"/>
+          </a:p>
+        </p:txBody>
+      </p:sp>
+      <p:sp>
+        <p:nvSpPr>
+          <p:cNvPr id="3" name="Inhaltsplatzhalter 2"/>
+          <p:cNvSpPr>
+            <a:spLocks noGrp="1"/>
+          </p:cNvSpPr>
+          <p:nvPr>
+            <p:ph idx="1"/>
+          </p:nvPr>
+        </p:nvSpPr>
+        <p:spPr/>
+        <p:txBody>
+          <a:bodyPr/>
+          <a:lstStyle/>
+          <a:p>
+            <a:pPr marL="342900" indent="-342900">
+              <a:buFont typeface="Arial" panose="020B0604020202020204" pitchFamily="34" charset="0"/>
+              <a:buChar char="•"/>
+            </a:pPr>
+            <a:r>
+              <a:rPr lang="de-CH" dirty="0" smtClean="0"/>
+              <a:t>Frühzeitige Erarbeitung der Testdaten</a:t>
+            </a:r>
+          </a:p>
+          <a:p>
+            <a:pPr marL="342900" indent="-342900">
+              <a:buFont typeface="Arial" panose="020B0604020202020204" pitchFamily="34" charset="0"/>
+              <a:buChar char="•"/>
+            </a:pPr>
+            <a:r>
+              <a:rPr lang="de-CH" dirty="0" smtClean="0"/>
+              <a:t>Genug Zeit für Unbekanntes einplanen</a:t>
+            </a:r>
+          </a:p>
+          <a:p>
+            <a:pPr marL="342900" indent="-342900">
+              <a:buFont typeface="Arial" panose="020B0604020202020204" pitchFamily="34" charset="0"/>
+              <a:buChar char="•"/>
+            </a:pPr>
+            <a:endParaRPr lang="de-CH" dirty="0"/>
+          </a:p>
+          <a:p>
+            <a:r>
+              <a:rPr lang="de-CH" dirty="0" smtClean="0">
+                <a:sym typeface="Wingdings" panose="05000000000000000000" pitchFamily="2" charset="2"/>
+              </a:rPr>
+              <a:t> </a:t>
+            </a:r>
+            <a:r>
+              <a:rPr lang="de-CH" dirty="0" smtClean="0"/>
+              <a:t>Projekt erfolgreich</a:t>
+            </a:r>
+            <a:endParaRPr lang="de-CH" dirty="0"/>
+          </a:p>
+        </p:txBody>
+      </p:sp>
+    </p:spTree>
+    <p:extLst>
+      <p:ext uri="{BB962C8B-B14F-4D97-AF65-F5344CB8AC3E}">
+        <p14:creationId xmlns:p14="http://schemas.microsoft.com/office/powerpoint/2010/main" val="604681213"/>
+      </p:ext>
+    </p:extLst>
+  </p:cSld>
+  <p:clrMapOvr>
+    <a:masterClrMapping/>
+  </p:clrMapOvr>
+  <p:timing>
+    <p:tnLst>
+      <p:par>
+        <p:cTn id="1" dur="indefinite" restart="never" nodeType="tmRoot"/>
+      </p:par>
+    </p:tnLst>
+  </p:timing>
+</p:sld>
+</file>
+
+<file path=ppt/slides/slide12.xml><?xml version="1.0" encoding="utf-8"?>
+<p:sld xmlns:a="http://schemas.openxmlformats.org/drawingml/2006/main" xmlns:r="http://schemas.openxmlformats.org/officeDocument/2006/relationships" xmlns:p="http://schemas.openxmlformats.org/presentationml/2006/main">
+  <p:cSld>
+    <p:spTree>
+      <p:nvGrpSpPr>
+        <p:cNvPr id="1" name=""/>
+        <p:cNvGrpSpPr/>
+        <p:nvPr/>
+      </p:nvGrpSpPr>
+      <p:grpSpPr>
+        <a:xfrm>
+          <a:off x="0" y="0"/>
+          <a:ext cx="0" cy="0"/>
+          <a:chOff x="0" y="0"/>
+          <a:chExt cx="0" cy="0"/>
+        </a:xfrm>
+      </p:grpSpPr>
+      <p:sp>
+        <p:nvSpPr>
+          <p:cNvPr id="2" name="Titel 1"/>
+          <p:cNvSpPr>
+            <a:spLocks noGrp="1"/>
+          </p:cNvSpPr>
+          <p:nvPr>
+            <p:ph type="title"/>
+          </p:nvPr>
+        </p:nvSpPr>
         <p:spPr>
           <a:xfrm>
             <a:off x="467544" y="797178"/>
@@ -4216,8 +4341,8 @@
               <a:t>Vorgehen und </a:t>
             </a:r>
             <a:r>
-              <a:rPr lang="de-CH" dirty="0" err="1" smtClean="0"/>
-              <a:t>planung</a:t>
+              <a:rPr lang="de-CH" dirty="0" smtClean="0"/>
+              <a:t>Planung</a:t>
             </a:r>
             <a:endParaRPr lang="de-CH" dirty="0"/>
           </a:p>
@@ -4421,6 +4546,13 @@
   <p:clrMapOvr>
     <a:masterClrMapping/>
   </p:clrMapOvr>
+  <p:timing>
+    <p:tnLst>
+      <p:par>
+        <p:cTn id="1" dur="indefinite" restart="never" nodeType="tmRoot"/>
+      </p:par>
+    </p:tnLst>
+  </p:timing>
 </p:sld>
 </file>
 

--- a/docs/presentation.pptx
+++ b/docs/presentation.pptx
@@ -4,6 +4,9 @@
   <p:sldMasterIdLst>
     <p:sldMasterId id="2147483660" r:id="rId1"/>
   </p:sldMasterIdLst>
+  <p:notesMasterIdLst>
+    <p:notesMasterId r:id="rId15"/>
+  </p:notesMasterIdLst>
   <p:sldIdLst>
     <p:sldId id="256" r:id="rId2"/>
     <p:sldId id="267" r:id="rId3"/>
@@ -14,9 +17,10 @@
     <p:sldId id="264" r:id="rId8"/>
     <p:sldId id="273" r:id="rId9"/>
     <p:sldId id="272" r:id="rId10"/>
-    <p:sldId id="268" r:id="rId11"/>
-    <p:sldId id="274" r:id="rId12"/>
-    <p:sldId id="266" r:id="rId13"/>
+    <p:sldId id="275" r:id="rId11"/>
+    <p:sldId id="268" r:id="rId12"/>
+    <p:sldId id="274" r:id="rId13"/>
+    <p:sldId id="266" r:id="rId14"/>
   </p:sldIdLst>
   <p:sldSz cx="9144000" cy="6858000" type="screen4x3"/>
   <p:notesSz cx="6858000" cy="9144000"/>
@@ -134,6 +138,356 @@
 </p:presentation>
 </file>
 
+<file path=ppt/notesMasters/notesMaster1.xml><?xml version="1.0" encoding="utf-8"?>
+<p:notesMaster xmlns:a="http://schemas.openxmlformats.org/drawingml/2006/main" xmlns:r="http://schemas.openxmlformats.org/officeDocument/2006/relationships" xmlns:p="http://schemas.openxmlformats.org/presentationml/2006/main">
+  <p:cSld>
+    <p:bg>
+      <p:bgRef idx="1001">
+        <a:schemeClr val="bg1"/>
+      </p:bgRef>
+    </p:bg>
+    <p:spTree>
+      <p:nvGrpSpPr>
+        <p:cNvPr id="1" name=""/>
+        <p:cNvGrpSpPr/>
+        <p:nvPr/>
+      </p:nvGrpSpPr>
+      <p:grpSpPr>
+        <a:xfrm>
+          <a:off x="0" y="0"/>
+          <a:ext cx="0" cy="0"/>
+          <a:chOff x="0" y="0"/>
+          <a:chExt cx="0" cy="0"/>
+        </a:xfrm>
+      </p:grpSpPr>
+      <p:sp>
+        <p:nvSpPr>
+          <p:cNvPr id="2" name="Kopfzeilenplatzhalter 1"/>
+          <p:cNvSpPr>
+            <a:spLocks noGrp="1"/>
+          </p:cNvSpPr>
+          <p:nvPr>
+            <p:ph type="hdr" sz="quarter"/>
+          </p:nvPr>
+        </p:nvSpPr>
+        <p:spPr>
+          <a:xfrm>
+            <a:off x="0" y="0"/>
+            <a:ext cx="2971800" cy="458788"/>
+          </a:xfrm>
+          <a:prstGeom prst="rect">
+            <a:avLst/>
+          </a:prstGeom>
+        </p:spPr>
+        <p:txBody>
+          <a:bodyPr vert="horz" lIns="91440" tIns="45720" rIns="91440" bIns="45720" rtlCol="0"/>
+          <a:lstStyle>
+            <a:lvl1pPr algn="l">
+              <a:defRPr sz="1200"/>
+            </a:lvl1pPr>
+          </a:lstStyle>
+          <a:p>
+            <a:endParaRPr lang="de-CH"/>
+          </a:p>
+        </p:txBody>
+      </p:sp>
+      <p:sp>
+        <p:nvSpPr>
+          <p:cNvPr id="3" name="Datumsplatzhalter 2"/>
+          <p:cNvSpPr>
+            <a:spLocks noGrp="1"/>
+          </p:cNvSpPr>
+          <p:nvPr>
+            <p:ph type="dt" idx="1"/>
+          </p:nvPr>
+        </p:nvSpPr>
+        <p:spPr>
+          <a:xfrm>
+            <a:off x="3884613" y="0"/>
+            <a:ext cx="2971800" cy="458788"/>
+          </a:xfrm>
+          <a:prstGeom prst="rect">
+            <a:avLst/>
+          </a:prstGeom>
+        </p:spPr>
+        <p:txBody>
+          <a:bodyPr vert="horz" lIns="91440" tIns="45720" rIns="91440" bIns="45720" rtlCol="0"/>
+          <a:lstStyle>
+            <a:lvl1pPr algn="r">
+              <a:defRPr sz="1200"/>
+            </a:lvl1pPr>
+          </a:lstStyle>
+          <a:p>
+            <a:fld id="{3672F61E-9984-4AD8-AF01-B4915917ABB7}" type="datetimeFigureOut">
+              <a:rPr lang="de-CH" smtClean="0"/>
+              <a:t>17.01.2020</a:t>
+            </a:fld>
+            <a:endParaRPr lang="de-CH"/>
+          </a:p>
+        </p:txBody>
+      </p:sp>
+      <p:sp>
+        <p:nvSpPr>
+          <p:cNvPr id="4" name="Folienbildplatzhalter 3"/>
+          <p:cNvSpPr>
+            <a:spLocks noGrp="1" noRot="1" noChangeAspect="1"/>
+          </p:cNvSpPr>
+          <p:nvPr>
+            <p:ph type="sldImg" idx="2"/>
+          </p:nvPr>
+        </p:nvSpPr>
+        <p:spPr>
+          <a:xfrm>
+            <a:off x="1371600" y="1143000"/>
+            <a:ext cx="4114800" cy="3086100"/>
+          </a:xfrm>
+          <a:prstGeom prst="rect">
+            <a:avLst/>
+          </a:prstGeom>
+          <a:noFill/>
+          <a:ln w="12700">
+            <a:solidFill>
+              <a:prstClr val="black"/>
+            </a:solidFill>
+          </a:ln>
+        </p:spPr>
+        <p:txBody>
+          <a:bodyPr vert="horz" lIns="91440" tIns="45720" rIns="91440" bIns="45720" rtlCol="0" anchor="ctr"/>
+          <a:lstStyle/>
+          <a:p>
+            <a:endParaRPr lang="de-CH"/>
+          </a:p>
+        </p:txBody>
+      </p:sp>
+      <p:sp>
+        <p:nvSpPr>
+          <p:cNvPr id="5" name="Notizenplatzhalter 4"/>
+          <p:cNvSpPr>
+            <a:spLocks noGrp="1"/>
+          </p:cNvSpPr>
+          <p:nvPr>
+            <p:ph type="body" sz="quarter" idx="3"/>
+          </p:nvPr>
+        </p:nvSpPr>
+        <p:spPr>
+          <a:xfrm>
+            <a:off x="685800" y="4400550"/>
+            <a:ext cx="5486400" cy="3600450"/>
+          </a:xfrm>
+          <a:prstGeom prst="rect">
+            <a:avLst/>
+          </a:prstGeom>
+        </p:spPr>
+        <p:txBody>
+          <a:bodyPr vert="horz" lIns="91440" tIns="45720" rIns="91440" bIns="45720" rtlCol="0"/>
+          <a:lstStyle/>
+          <a:p>
+            <a:pPr lvl="0"/>
+            <a:r>
+              <a:rPr lang="de-DE"/>
+              <a:t>Mastertextformat bearbeiten</a:t>
+            </a:r>
+          </a:p>
+          <a:p>
+            <a:pPr lvl="1"/>
+            <a:r>
+              <a:rPr lang="de-DE"/>
+              <a:t>Zweite Ebene</a:t>
+            </a:r>
+          </a:p>
+          <a:p>
+            <a:pPr lvl="2"/>
+            <a:r>
+              <a:rPr lang="de-DE"/>
+              <a:t>Dritte Ebene</a:t>
+            </a:r>
+          </a:p>
+          <a:p>
+            <a:pPr lvl="3"/>
+            <a:r>
+              <a:rPr lang="de-DE"/>
+              <a:t>Vierte Ebene</a:t>
+            </a:r>
+          </a:p>
+          <a:p>
+            <a:pPr lvl="4"/>
+            <a:r>
+              <a:rPr lang="de-DE"/>
+              <a:t>Fünfte Ebene</a:t>
+            </a:r>
+            <a:endParaRPr lang="de-CH"/>
+          </a:p>
+        </p:txBody>
+      </p:sp>
+      <p:sp>
+        <p:nvSpPr>
+          <p:cNvPr id="6" name="Fußzeilenplatzhalter 5"/>
+          <p:cNvSpPr>
+            <a:spLocks noGrp="1"/>
+          </p:cNvSpPr>
+          <p:nvPr>
+            <p:ph type="ftr" sz="quarter" idx="4"/>
+          </p:nvPr>
+        </p:nvSpPr>
+        <p:spPr>
+          <a:xfrm>
+            <a:off x="0" y="8685213"/>
+            <a:ext cx="2971800" cy="458787"/>
+          </a:xfrm>
+          <a:prstGeom prst="rect">
+            <a:avLst/>
+          </a:prstGeom>
+        </p:spPr>
+        <p:txBody>
+          <a:bodyPr vert="horz" lIns="91440" tIns="45720" rIns="91440" bIns="45720" rtlCol="0" anchor="b"/>
+          <a:lstStyle>
+            <a:lvl1pPr algn="l">
+              <a:defRPr sz="1200"/>
+            </a:lvl1pPr>
+          </a:lstStyle>
+          <a:p>
+            <a:endParaRPr lang="de-CH"/>
+          </a:p>
+        </p:txBody>
+      </p:sp>
+      <p:sp>
+        <p:nvSpPr>
+          <p:cNvPr id="7" name="Foliennummernplatzhalter 6"/>
+          <p:cNvSpPr>
+            <a:spLocks noGrp="1"/>
+          </p:cNvSpPr>
+          <p:nvPr>
+            <p:ph type="sldNum" sz="quarter" idx="5"/>
+          </p:nvPr>
+        </p:nvSpPr>
+        <p:spPr>
+          <a:xfrm>
+            <a:off x="3884613" y="8685213"/>
+            <a:ext cx="2971800" cy="458787"/>
+          </a:xfrm>
+          <a:prstGeom prst="rect">
+            <a:avLst/>
+          </a:prstGeom>
+        </p:spPr>
+        <p:txBody>
+          <a:bodyPr vert="horz" lIns="91440" tIns="45720" rIns="91440" bIns="45720" rtlCol="0" anchor="b"/>
+          <a:lstStyle>
+            <a:lvl1pPr algn="r">
+              <a:defRPr sz="1200"/>
+            </a:lvl1pPr>
+          </a:lstStyle>
+          <a:p>
+            <a:fld id="{C6DCC372-E44D-4BC6-8B84-D930FE27EA2E}" type="slidenum">
+              <a:rPr lang="de-CH" smtClean="0"/>
+              <a:t>‹Nr.›</a:t>
+            </a:fld>
+            <a:endParaRPr lang="de-CH"/>
+          </a:p>
+        </p:txBody>
+      </p:sp>
+    </p:spTree>
+    <p:extLst>
+      <p:ext uri="{BB962C8B-B14F-4D97-AF65-F5344CB8AC3E}">
+        <p14:creationId xmlns:p14="http://schemas.microsoft.com/office/powerpoint/2010/main" val="3615035660"/>
+      </p:ext>
+    </p:extLst>
+  </p:cSld>
+  <p:clrMap bg1="lt1" tx1="dk1" bg2="lt2" tx2="dk2" accent1="accent1" accent2="accent2" accent3="accent3" accent4="accent4" accent5="accent5" accent6="accent6" hlink="hlink" folHlink="folHlink"/>
+  <p:notesStyle>
+    <a:lvl1pPr marL="0" algn="l" defTabSz="914400" rtl="0" eaLnBrk="1" latinLnBrk="0" hangingPunct="1">
+      <a:defRPr sz="1200" kern="1200">
+        <a:solidFill>
+          <a:schemeClr val="tx1"/>
+        </a:solidFill>
+        <a:latin typeface="+mn-lt"/>
+        <a:ea typeface="+mn-ea"/>
+        <a:cs typeface="+mn-cs"/>
+      </a:defRPr>
+    </a:lvl1pPr>
+    <a:lvl2pPr marL="457200" algn="l" defTabSz="914400" rtl="0" eaLnBrk="1" latinLnBrk="0" hangingPunct="1">
+      <a:defRPr sz="1200" kern="1200">
+        <a:solidFill>
+          <a:schemeClr val="tx1"/>
+        </a:solidFill>
+        <a:latin typeface="+mn-lt"/>
+        <a:ea typeface="+mn-ea"/>
+        <a:cs typeface="+mn-cs"/>
+      </a:defRPr>
+    </a:lvl2pPr>
+    <a:lvl3pPr marL="914400" algn="l" defTabSz="914400" rtl="0" eaLnBrk="1" latinLnBrk="0" hangingPunct="1">
+      <a:defRPr sz="1200" kern="1200">
+        <a:solidFill>
+          <a:schemeClr val="tx1"/>
+        </a:solidFill>
+        <a:latin typeface="+mn-lt"/>
+        <a:ea typeface="+mn-ea"/>
+        <a:cs typeface="+mn-cs"/>
+      </a:defRPr>
+    </a:lvl3pPr>
+    <a:lvl4pPr marL="1371600" algn="l" defTabSz="914400" rtl="0" eaLnBrk="1" latinLnBrk="0" hangingPunct="1">
+      <a:defRPr sz="1200" kern="1200">
+        <a:solidFill>
+          <a:schemeClr val="tx1"/>
+        </a:solidFill>
+        <a:latin typeface="+mn-lt"/>
+        <a:ea typeface="+mn-ea"/>
+        <a:cs typeface="+mn-cs"/>
+      </a:defRPr>
+    </a:lvl4pPr>
+    <a:lvl5pPr marL="1828800" algn="l" defTabSz="914400" rtl="0" eaLnBrk="1" latinLnBrk="0" hangingPunct="1">
+      <a:defRPr sz="1200" kern="1200">
+        <a:solidFill>
+          <a:schemeClr val="tx1"/>
+        </a:solidFill>
+        <a:latin typeface="+mn-lt"/>
+        <a:ea typeface="+mn-ea"/>
+        <a:cs typeface="+mn-cs"/>
+      </a:defRPr>
+    </a:lvl5pPr>
+    <a:lvl6pPr marL="2286000" algn="l" defTabSz="914400" rtl="0" eaLnBrk="1" latinLnBrk="0" hangingPunct="1">
+      <a:defRPr sz="1200" kern="1200">
+        <a:solidFill>
+          <a:schemeClr val="tx1"/>
+        </a:solidFill>
+        <a:latin typeface="+mn-lt"/>
+        <a:ea typeface="+mn-ea"/>
+        <a:cs typeface="+mn-cs"/>
+      </a:defRPr>
+    </a:lvl6pPr>
+    <a:lvl7pPr marL="2743200" algn="l" defTabSz="914400" rtl="0" eaLnBrk="1" latinLnBrk="0" hangingPunct="1">
+      <a:defRPr sz="1200" kern="1200">
+        <a:solidFill>
+          <a:schemeClr val="tx1"/>
+        </a:solidFill>
+        <a:latin typeface="+mn-lt"/>
+        <a:ea typeface="+mn-ea"/>
+        <a:cs typeface="+mn-cs"/>
+      </a:defRPr>
+    </a:lvl7pPr>
+    <a:lvl8pPr marL="3200400" algn="l" defTabSz="914400" rtl="0" eaLnBrk="1" latinLnBrk="0" hangingPunct="1">
+      <a:defRPr sz="1200" kern="1200">
+        <a:solidFill>
+          <a:schemeClr val="tx1"/>
+        </a:solidFill>
+        <a:latin typeface="+mn-lt"/>
+        <a:ea typeface="+mn-ea"/>
+        <a:cs typeface="+mn-cs"/>
+      </a:defRPr>
+    </a:lvl8pPr>
+    <a:lvl9pPr marL="3657600" algn="l" defTabSz="914400" rtl="0" eaLnBrk="1" latinLnBrk="0" hangingPunct="1">
+      <a:defRPr sz="1200" kern="1200">
+        <a:solidFill>
+          <a:schemeClr val="tx1"/>
+        </a:solidFill>
+        <a:latin typeface="+mn-lt"/>
+        <a:ea typeface="+mn-ea"/>
+        <a:cs typeface="+mn-cs"/>
+      </a:defRPr>
+    </a:lvl9pPr>
+  </p:notesStyle>
+</p:notesMaster>
+</file>
+
 <file path=ppt/slideLayouts/slideLayout1.xml><?xml version="1.0" encoding="utf-8"?>
 <p:sldLayout xmlns:a="http://schemas.openxmlformats.org/drawingml/2006/main" xmlns:r="http://schemas.openxmlformats.org/officeDocument/2006/relationships" xmlns:p="http://schemas.openxmlformats.org/presentationml/2006/main" showMasterSp="0" type="title" preserve="1">
   <p:cSld name="Titelfolie">
@@ -185,7 +539,7 @@
           </a:lstStyle>
           <a:p>
             <a:r>
-              <a:rPr lang="de-DE" smtClean="0"/>
+              <a:rPr lang="de-DE"/>
               <a:t>Titelmasterformat durch Klicken bearbeiten</a:t>
             </a:r>
             <a:endParaRPr lang="en-US" dirty="0"/>
@@ -303,7 +657,7 @@
           </a:lstStyle>
           <a:p>
             <a:r>
-              <a:rPr lang="de-DE" smtClean="0"/>
+              <a:rPr lang="de-DE"/>
               <a:t>Formatvorlage des Untertitelmasters durch Klicken bearbeiten</a:t>
             </a:r>
             <a:endParaRPr lang="en-US" dirty="0"/>
@@ -327,7 +681,7 @@
           <a:p>
             <a:fld id="{CFE83B37-3004-4276-B635-69AEE58EF409}" type="datetimeFigureOut">
               <a:rPr lang="de-CH" smtClean="0"/>
-              <a:t>14.01.2020</a:t>
+              <a:t>17.01.2020</a:t>
             </a:fld>
             <a:endParaRPr lang="de-CH"/>
           </a:p>
@@ -518,7 +872,7 @@
           <a:lstStyle/>
           <a:p>
             <a:r>
-              <a:rPr lang="de-DE" smtClean="0"/>
+              <a:rPr lang="de-DE"/>
               <a:t>Titelmasterformat durch Klicken bearbeiten</a:t>
             </a:r>
             <a:endParaRPr lang="en-US"/>
@@ -542,35 +896,35 @@
           <a:p>
             <a:pPr lvl="0"/>
             <a:r>
-              <a:rPr lang="de-DE" smtClean="0"/>
+              <a:rPr lang="de-DE"/>
               <a:t>Textmasterformat bearbeiten</a:t>
             </a:r>
           </a:p>
           <a:p>
             <a:pPr lvl="1"/>
             <a:r>
-              <a:rPr lang="de-DE" smtClean="0"/>
+              <a:rPr lang="de-DE"/>
               <a:t>Zweite Ebene</a:t>
             </a:r>
           </a:p>
           <a:p>
             <a:pPr lvl="2"/>
             <a:r>
-              <a:rPr lang="de-DE" smtClean="0"/>
+              <a:rPr lang="de-DE"/>
               <a:t>Dritte Ebene</a:t>
             </a:r>
           </a:p>
           <a:p>
             <a:pPr lvl="3"/>
             <a:r>
-              <a:rPr lang="de-DE" smtClean="0"/>
+              <a:rPr lang="de-DE"/>
               <a:t>Vierte Ebene</a:t>
             </a:r>
           </a:p>
           <a:p>
             <a:pPr lvl="4"/>
             <a:r>
-              <a:rPr lang="de-DE" smtClean="0"/>
+              <a:rPr lang="de-DE"/>
               <a:t>Fünfte Ebene</a:t>
             </a:r>
             <a:endParaRPr lang="en-US"/>
@@ -594,7 +948,7 @@
           <a:p>
             <a:fld id="{CFE83B37-3004-4276-B635-69AEE58EF409}" type="datetimeFigureOut">
               <a:rPr lang="de-CH" smtClean="0"/>
-              <a:t>14.01.2020</a:t>
+              <a:t>17.01.2020</a:t>
             </a:fld>
             <a:endParaRPr lang="de-CH"/>
           </a:p>
@@ -688,7 +1042,7 @@
           <a:lstStyle/>
           <a:p>
             <a:r>
-              <a:rPr lang="de-DE" smtClean="0"/>
+              <a:rPr lang="de-DE"/>
               <a:t>Titelmasterformat durch Klicken bearbeiten</a:t>
             </a:r>
             <a:endParaRPr lang="en-US"/>
@@ -717,35 +1071,35 @@
           <a:p>
             <a:pPr lvl="0"/>
             <a:r>
-              <a:rPr lang="de-DE" smtClean="0"/>
+              <a:rPr lang="de-DE"/>
               <a:t>Textmasterformat bearbeiten</a:t>
             </a:r>
           </a:p>
           <a:p>
             <a:pPr lvl="1"/>
             <a:r>
-              <a:rPr lang="de-DE" smtClean="0"/>
+              <a:rPr lang="de-DE"/>
               <a:t>Zweite Ebene</a:t>
             </a:r>
           </a:p>
           <a:p>
             <a:pPr lvl="2"/>
             <a:r>
-              <a:rPr lang="de-DE" smtClean="0"/>
+              <a:rPr lang="de-DE"/>
               <a:t>Dritte Ebene</a:t>
             </a:r>
           </a:p>
           <a:p>
             <a:pPr lvl="3"/>
             <a:r>
-              <a:rPr lang="de-DE" smtClean="0"/>
+              <a:rPr lang="de-DE"/>
               <a:t>Vierte Ebene</a:t>
             </a:r>
           </a:p>
           <a:p>
             <a:pPr lvl="4"/>
             <a:r>
-              <a:rPr lang="de-DE" smtClean="0"/>
+              <a:rPr lang="de-DE"/>
               <a:t>Fünfte Ebene</a:t>
             </a:r>
             <a:endParaRPr lang="en-US"/>
@@ -769,7 +1123,7 @@
           <a:p>
             <a:fld id="{CFE83B37-3004-4276-B635-69AEE58EF409}" type="datetimeFigureOut">
               <a:rPr lang="de-CH" smtClean="0"/>
-              <a:t>14.01.2020</a:t>
+              <a:t>17.01.2020</a:t>
             </a:fld>
             <a:endParaRPr lang="de-CH"/>
           </a:p>
@@ -858,7 +1212,7 @@
           <a:lstStyle/>
           <a:p>
             <a:r>
-              <a:rPr lang="de-DE" dirty="0" smtClean="0"/>
+              <a:rPr lang="de-DE" dirty="0"/>
               <a:t>Titelmasterformat durch Klicken bearbeiten</a:t>
             </a:r>
             <a:endParaRPr lang="en-US" dirty="0"/>
@@ -882,35 +1236,35 @@
           <a:p>
             <a:pPr lvl="0"/>
             <a:r>
-              <a:rPr lang="de-DE" smtClean="0"/>
+              <a:rPr lang="de-DE"/>
               <a:t>Textmasterformat bearbeiten</a:t>
             </a:r>
           </a:p>
           <a:p>
             <a:pPr lvl="1"/>
             <a:r>
-              <a:rPr lang="de-DE" smtClean="0"/>
+              <a:rPr lang="de-DE"/>
               <a:t>Zweite Ebene</a:t>
             </a:r>
           </a:p>
           <a:p>
             <a:pPr lvl="2"/>
             <a:r>
-              <a:rPr lang="de-DE" smtClean="0"/>
+              <a:rPr lang="de-DE"/>
               <a:t>Dritte Ebene</a:t>
             </a:r>
           </a:p>
           <a:p>
             <a:pPr lvl="3"/>
             <a:r>
-              <a:rPr lang="de-DE" smtClean="0"/>
+              <a:rPr lang="de-DE"/>
               <a:t>Vierte Ebene</a:t>
             </a:r>
           </a:p>
           <a:p>
             <a:pPr lvl="4"/>
             <a:r>
-              <a:rPr lang="de-DE" smtClean="0"/>
+              <a:rPr lang="de-DE"/>
               <a:t>Fünfte Ebene</a:t>
             </a:r>
             <a:endParaRPr lang="en-US" dirty="0"/>
@@ -934,7 +1288,7 @@
           <a:p>
             <a:fld id="{CFE83B37-3004-4276-B635-69AEE58EF409}" type="datetimeFigureOut">
               <a:rPr lang="de-CH" smtClean="0"/>
-              <a:t>14.01.2020</a:t>
+              <a:t>17.01.2020</a:t>
             </a:fld>
             <a:endParaRPr lang="de-CH"/>
           </a:p>
@@ -1041,7 +1395,7 @@
           </a:lstStyle>
           <a:p>
             <a:r>
-              <a:rPr lang="de-DE" smtClean="0"/>
+              <a:rPr lang="de-DE"/>
               <a:t>Titelmasterformat durch Klicken bearbeiten</a:t>
             </a:r>
             <a:endParaRPr lang="en-US" dirty="0"/>
@@ -1160,7 +1514,7 @@
           <a:p>
             <a:pPr lvl="0"/>
             <a:r>
-              <a:rPr lang="de-DE" smtClean="0"/>
+              <a:rPr lang="de-DE"/>
               <a:t>Textmasterformat bearbeiten</a:t>
             </a:r>
           </a:p>
@@ -1183,7 +1537,7 @@
           <a:p>
             <a:fld id="{CFE83B37-3004-4276-B635-69AEE58EF409}" type="datetimeFigureOut">
               <a:rPr lang="de-CH" smtClean="0"/>
-              <a:t>14.01.2020</a:t>
+              <a:t>17.01.2020</a:t>
             </a:fld>
             <a:endParaRPr lang="de-CH"/>
           </a:p>
@@ -1272,7 +1626,7 @@
           <a:lstStyle/>
           <a:p>
             <a:r>
-              <a:rPr lang="de-DE" smtClean="0"/>
+              <a:rPr lang="de-DE"/>
               <a:t>Titelmasterformat durch Klicken bearbeiten</a:t>
             </a:r>
             <a:endParaRPr lang="en-US"/>
@@ -1329,35 +1683,35 @@
           <a:p>
             <a:pPr lvl="0"/>
             <a:r>
-              <a:rPr lang="de-DE" smtClean="0"/>
+              <a:rPr lang="de-DE"/>
               <a:t>Textmasterformat bearbeiten</a:t>
             </a:r>
           </a:p>
           <a:p>
             <a:pPr lvl="1"/>
             <a:r>
-              <a:rPr lang="de-DE" smtClean="0"/>
+              <a:rPr lang="de-DE"/>
               <a:t>Zweite Ebene</a:t>
             </a:r>
           </a:p>
           <a:p>
             <a:pPr lvl="2"/>
             <a:r>
-              <a:rPr lang="de-DE" smtClean="0"/>
+              <a:rPr lang="de-DE"/>
               <a:t>Dritte Ebene</a:t>
             </a:r>
           </a:p>
           <a:p>
             <a:pPr lvl="3"/>
             <a:r>
-              <a:rPr lang="de-DE" smtClean="0"/>
+              <a:rPr lang="de-DE"/>
               <a:t>Vierte Ebene</a:t>
             </a:r>
           </a:p>
           <a:p>
             <a:pPr lvl="4"/>
             <a:r>
-              <a:rPr lang="de-DE" smtClean="0"/>
+              <a:rPr lang="de-DE"/>
               <a:t>Fünfte Ebene</a:t>
             </a:r>
             <a:endParaRPr lang="en-US" dirty="0"/>
@@ -1414,35 +1768,35 @@
           <a:p>
             <a:pPr lvl="0"/>
             <a:r>
-              <a:rPr lang="de-DE" smtClean="0"/>
+              <a:rPr lang="de-DE"/>
               <a:t>Textmasterformat bearbeiten</a:t>
             </a:r>
           </a:p>
           <a:p>
             <a:pPr lvl="1"/>
             <a:r>
-              <a:rPr lang="de-DE" smtClean="0"/>
+              <a:rPr lang="de-DE"/>
               <a:t>Zweite Ebene</a:t>
             </a:r>
           </a:p>
           <a:p>
             <a:pPr lvl="2"/>
             <a:r>
-              <a:rPr lang="de-DE" smtClean="0"/>
+              <a:rPr lang="de-DE"/>
               <a:t>Dritte Ebene</a:t>
             </a:r>
           </a:p>
           <a:p>
             <a:pPr lvl="3"/>
             <a:r>
-              <a:rPr lang="de-DE" smtClean="0"/>
+              <a:rPr lang="de-DE"/>
               <a:t>Vierte Ebene</a:t>
             </a:r>
           </a:p>
           <a:p>
             <a:pPr lvl="4"/>
             <a:r>
-              <a:rPr lang="de-DE" smtClean="0"/>
+              <a:rPr lang="de-DE"/>
               <a:t>Fünfte Ebene</a:t>
             </a:r>
             <a:endParaRPr lang="en-US" dirty="0"/>
@@ -1466,7 +1820,7 @@
           <a:p>
             <a:fld id="{CFE83B37-3004-4276-B635-69AEE58EF409}" type="datetimeFigureOut">
               <a:rPr lang="de-CH" smtClean="0"/>
-              <a:t>14.01.2020</a:t>
+              <a:t>17.01.2020</a:t>
             </a:fld>
             <a:endParaRPr lang="de-CH"/>
           </a:p>
@@ -1559,7 +1913,7 @@
           </a:lstStyle>
           <a:p>
             <a:r>
-              <a:rPr lang="de-DE" smtClean="0"/>
+              <a:rPr lang="de-DE"/>
               <a:t>Titelmasterformat durch Klicken bearbeiten</a:t>
             </a:r>
             <a:endParaRPr lang="en-US"/>
@@ -1632,7 +1986,7 @@
           <a:p>
             <a:pPr lvl="0"/>
             <a:r>
-              <a:rPr lang="de-DE" smtClean="0"/>
+              <a:rPr lang="de-DE"/>
               <a:t>Textmasterformat bearbeiten</a:t>
             </a:r>
           </a:p>
@@ -1688,35 +2042,35 @@
           <a:p>
             <a:pPr lvl="0"/>
             <a:r>
-              <a:rPr lang="de-DE" smtClean="0"/>
+              <a:rPr lang="de-DE"/>
               <a:t>Textmasterformat bearbeiten</a:t>
             </a:r>
           </a:p>
           <a:p>
             <a:pPr lvl="1"/>
             <a:r>
-              <a:rPr lang="de-DE" smtClean="0"/>
+              <a:rPr lang="de-DE"/>
               <a:t>Zweite Ebene</a:t>
             </a:r>
           </a:p>
           <a:p>
             <a:pPr lvl="2"/>
             <a:r>
-              <a:rPr lang="de-DE" smtClean="0"/>
+              <a:rPr lang="de-DE"/>
               <a:t>Dritte Ebene</a:t>
             </a:r>
           </a:p>
           <a:p>
             <a:pPr lvl="3"/>
             <a:r>
-              <a:rPr lang="de-DE" smtClean="0"/>
+              <a:rPr lang="de-DE"/>
               <a:t>Vierte Ebene</a:t>
             </a:r>
           </a:p>
           <a:p>
             <a:pPr lvl="4"/>
             <a:r>
-              <a:rPr lang="de-DE" smtClean="0"/>
+              <a:rPr lang="de-DE"/>
               <a:t>Fünfte Ebene</a:t>
             </a:r>
             <a:endParaRPr lang="en-US" dirty="0"/>
@@ -1797,7 +2151,7 @@
               <a:buNone/>
             </a:pPr>
             <a:r>
-              <a:rPr lang="de-DE" smtClean="0"/>
+              <a:rPr lang="de-DE"/>
               <a:t>Textmasterformat bearbeiten</a:t>
             </a:r>
           </a:p>
@@ -1853,35 +2207,35 @@
           <a:p>
             <a:pPr lvl="0"/>
             <a:r>
-              <a:rPr lang="de-DE" smtClean="0"/>
+              <a:rPr lang="de-DE"/>
               <a:t>Textmasterformat bearbeiten</a:t>
             </a:r>
           </a:p>
           <a:p>
             <a:pPr lvl="1"/>
             <a:r>
-              <a:rPr lang="de-DE" smtClean="0"/>
+              <a:rPr lang="de-DE"/>
               <a:t>Zweite Ebene</a:t>
             </a:r>
           </a:p>
           <a:p>
             <a:pPr lvl="2"/>
             <a:r>
-              <a:rPr lang="de-DE" smtClean="0"/>
+              <a:rPr lang="de-DE"/>
               <a:t>Dritte Ebene</a:t>
             </a:r>
           </a:p>
           <a:p>
             <a:pPr lvl="3"/>
             <a:r>
-              <a:rPr lang="de-DE" smtClean="0"/>
+              <a:rPr lang="de-DE"/>
               <a:t>Vierte Ebene</a:t>
             </a:r>
           </a:p>
           <a:p>
             <a:pPr lvl="4"/>
             <a:r>
-              <a:rPr lang="de-DE" smtClean="0"/>
+              <a:rPr lang="de-DE"/>
               <a:t>Fünfte Ebene</a:t>
             </a:r>
             <a:endParaRPr lang="en-US" dirty="0"/>
@@ -1905,7 +2259,7 @@
           <a:p>
             <a:fld id="{CFE83B37-3004-4276-B635-69AEE58EF409}" type="datetimeFigureOut">
               <a:rPr lang="de-CH" smtClean="0"/>
-              <a:t>14.01.2020</a:t>
+              <a:t>17.01.2020</a:t>
             </a:fld>
             <a:endParaRPr lang="de-CH"/>
           </a:p>
@@ -1994,7 +2348,7 @@
           <a:lstStyle/>
           <a:p>
             <a:r>
-              <a:rPr lang="de-DE" smtClean="0"/>
+              <a:rPr lang="de-DE"/>
               <a:t>Titelmasterformat durch Klicken bearbeiten</a:t>
             </a:r>
             <a:endParaRPr lang="en-US"/>
@@ -2018,7 +2372,7 @@
           <a:p>
             <a:fld id="{CFE83B37-3004-4276-B635-69AEE58EF409}" type="datetimeFigureOut">
               <a:rPr lang="de-CH" smtClean="0"/>
-              <a:t>14.01.2020</a:t>
+              <a:t>17.01.2020</a:t>
             </a:fld>
             <a:endParaRPr lang="de-CH"/>
           </a:p>
@@ -2108,7 +2462,7 @@
           <a:p>
             <a:fld id="{CFE83B37-3004-4276-B635-69AEE58EF409}" type="datetimeFigureOut">
               <a:rPr lang="de-CH" smtClean="0"/>
-              <a:t>14.01.2020</a:t>
+              <a:t>17.01.2020</a:t>
             </a:fld>
             <a:endParaRPr lang="de-CH"/>
           </a:p>
@@ -2231,35 +2585,35 @@
           <a:p>
             <a:pPr lvl="0"/>
             <a:r>
-              <a:rPr lang="de-DE" smtClean="0"/>
+              <a:rPr lang="de-DE"/>
               <a:t>Textmasterformat bearbeiten</a:t>
             </a:r>
           </a:p>
           <a:p>
             <a:pPr lvl="1"/>
             <a:r>
-              <a:rPr lang="de-DE" smtClean="0"/>
+              <a:rPr lang="de-DE"/>
               <a:t>Zweite Ebene</a:t>
             </a:r>
           </a:p>
           <a:p>
             <a:pPr lvl="2"/>
             <a:r>
-              <a:rPr lang="de-DE" smtClean="0"/>
+              <a:rPr lang="de-DE"/>
               <a:t>Dritte Ebene</a:t>
             </a:r>
           </a:p>
           <a:p>
             <a:pPr lvl="3"/>
             <a:r>
-              <a:rPr lang="de-DE" smtClean="0"/>
+              <a:rPr lang="de-DE"/>
               <a:t>Vierte Ebene</a:t>
             </a:r>
           </a:p>
           <a:p>
             <a:pPr lvl="4"/>
             <a:r>
-              <a:rPr lang="de-DE" smtClean="0"/>
+              <a:rPr lang="de-DE"/>
               <a:t>Fünfte Ebene</a:t>
             </a:r>
             <a:endParaRPr lang="en-US" dirty="0"/>
@@ -2327,7 +2681,7 @@
           <a:p>
             <a:pPr lvl="0"/>
             <a:r>
-              <a:rPr lang="de-DE" smtClean="0"/>
+              <a:rPr lang="de-DE"/>
               <a:t>Textmasterformat bearbeiten</a:t>
             </a:r>
           </a:p>
@@ -2350,7 +2704,7 @@
           <a:p>
             <a:fld id="{CFE83B37-3004-4276-B635-69AEE58EF409}" type="datetimeFigureOut">
               <a:rPr lang="de-CH" smtClean="0"/>
-              <a:t>14.01.2020</a:t>
+              <a:t>17.01.2020</a:t>
             </a:fld>
             <a:endParaRPr lang="de-CH"/>
           </a:p>
@@ -2414,7 +2768,7 @@
           <a:lstStyle/>
           <a:p>
             <a:r>
-              <a:rPr lang="de-DE" smtClean="0"/>
+              <a:rPr lang="de-DE"/>
               <a:t>Titelmasterformat durch Klicken bearbeiten</a:t>
             </a:r>
             <a:endParaRPr lang="en-US"/>
@@ -2555,7 +2909,7 @@
           </a:lstStyle>
           <a:p>
             <a:r>
-              <a:rPr lang="de-DE" smtClean="0"/>
+              <a:rPr lang="de-DE"/>
               <a:t>Bild durch Klicken auf Symbol hinzufügen</a:t>
             </a:r>
             <a:endParaRPr lang="en-US"/>
@@ -2621,7 +2975,7 @@
           <a:p>
             <a:pPr lvl="0"/>
             <a:r>
-              <a:rPr lang="de-DE" smtClean="0"/>
+              <a:rPr lang="de-DE"/>
               <a:t>Textmasterformat bearbeiten</a:t>
             </a:r>
           </a:p>
@@ -2644,7 +2998,7 @@
           <a:p>
             <a:fld id="{CFE83B37-3004-4276-B635-69AEE58EF409}" type="datetimeFigureOut">
               <a:rPr lang="de-CH" smtClean="0"/>
-              <a:t>14.01.2020</a:t>
+              <a:t>17.01.2020</a:t>
             </a:fld>
             <a:endParaRPr lang="de-CH"/>
           </a:p>
@@ -2727,7 +3081,7 @@
           </a:lstStyle>
           <a:p>
             <a:r>
-              <a:rPr lang="de-DE" smtClean="0"/>
+              <a:rPr lang="de-DE"/>
               <a:t>Titelmasterformat durch Klicken bearbeiten</a:t>
             </a:r>
             <a:endParaRPr lang="en-US" dirty="0"/>
@@ -2836,7 +3190,7 @@
           <a:lstStyle/>
           <a:p>
             <a:r>
-              <a:rPr lang="de-DE" smtClean="0"/>
+              <a:rPr lang="de-DE"/>
               <a:t>Titelmasterformat durch Klicken bearbeiten</a:t>
             </a:r>
             <a:endParaRPr lang="en-US" dirty="0"/>
@@ -2870,35 +3224,35 @@
           <a:p>
             <a:pPr lvl="0"/>
             <a:r>
-              <a:rPr lang="de-DE" smtClean="0"/>
+              <a:rPr lang="de-DE"/>
               <a:t>Textmasterformat bearbeiten</a:t>
             </a:r>
           </a:p>
           <a:p>
             <a:pPr lvl="1"/>
             <a:r>
-              <a:rPr lang="de-DE" smtClean="0"/>
+              <a:rPr lang="de-DE"/>
               <a:t>Zweite Ebene</a:t>
             </a:r>
           </a:p>
           <a:p>
             <a:pPr lvl="2"/>
             <a:r>
-              <a:rPr lang="de-DE" smtClean="0"/>
+              <a:rPr lang="de-DE"/>
               <a:t>Dritte Ebene</a:t>
             </a:r>
           </a:p>
           <a:p>
             <a:pPr lvl="3"/>
             <a:r>
-              <a:rPr lang="de-DE" smtClean="0"/>
+              <a:rPr lang="de-DE"/>
               <a:t>Vierte Ebene</a:t>
             </a:r>
           </a:p>
           <a:p>
             <a:pPr lvl="4"/>
             <a:r>
-              <a:rPr lang="de-DE" smtClean="0"/>
+              <a:rPr lang="de-DE"/>
               <a:t>Fünfte Ebene</a:t>
             </a:r>
             <a:endParaRPr lang="en-US" dirty="0"/>
@@ -2938,7 +3292,7 @@
           <a:p>
             <a:fld id="{CFE83B37-3004-4276-B635-69AEE58EF409}" type="datetimeFigureOut">
               <a:rPr lang="de-CH" smtClean="0"/>
-              <a:t>14.01.2020</a:t>
+              <a:t>17.01.2020</a:t>
             </a:fld>
             <a:endParaRPr lang="de-CH"/>
           </a:p>
@@ -3448,26 +3802,22 @@
           <a:lstStyle/>
           <a:p>
             <a:r>
-              <a:rPr lang="de-CH" dirty="0" smtClean="0"/>
+              <a:rPr lang="de-CH" dirty="0"/>
               <a:t>Ritz </a:t>
             </a:r>
             <a:r>
-              <a:rPr lang="de-CH" dirty="0" err="1" smtClean="0"/>
+              <a:rPr lang="de-CH" dirty="0" err="1"/>
               <a:t>LucA</a:t>
             </a:r>
-            <a:r>
-              <a:rPr lang="de-CH" dirty="0" smtClean="0"/>
-              <a:t/>
-            </a:r>
             <a:br>
-              <a:rPr lang="de-CH" dirty="0" smtClean="0"/>
+              <a:rPr lang="de-CH" dirty="0"/>
             </a:br>
             <a:r>
-              <a:rPr lang="de-CH" dirty="0" err="1" smtClean="0"/>
+              <a:rPr lang="de-CH" dirty="0" err="1"/>
               <a:t>Seglias</a:t>
             </a:r>
             <a:r>
-              <a:rPr lang="de-CH" dirty="0" smtClean="0"/>
+              <a:rPr lang="de-CH" dirty="0"/>
               <a:t> Lukas</a:t>
             </a:r>
           </a:p>
@@ -3496,30 +3846,26 @@
           <a:lstStyle/>
           <a:p>
             <a:r>
-              <a:rPr lang="de-CH" sz="4900" dirty="0" err="1" smtClean="0"/>
+              <a:rPr lang="de-CH" sz="4900" dirty="0" err="1"/>
               <a:t>CTi</a:t>
             </a:r>
-            <a:r>
-              <a:rPr lang="de-CH" sz="4900" dirty="0" smtClean="0"/>
-              <a:t/>
-            </a:r>
             <a:br>
-              <a:rPr lang="de-CH" sz="4900" dirty="0" smtClean="0"/>
+              <a:rPr lang="de-CH" sz="4900" dirty="0"/>
             </a:br>
             <a:r>
-              <a:rPr lang="de-DE" sz="1800" dirty="0" smtClean="0"/>
+              <a:rPr lang="de-DE" sz="1800" dirty="0"/>
               <a:t>Computerunterstützte </a:t>
             </a:r>
             <a:r>
-              <a:rPr lang="de-DE" sz="1800" dirty="0" err="1" smtClean="0"/>
+              <a:rPr lang="de-DE" sz="1800" dirty="0" err="1"/>
               <a:t>ticketerkennung</a:t>
             </a:r>
             <a:r>
-              <a:rPr lang="de-DE" sz="1800" dirty="0" smtClean="0"/>
+              <a:rPr lang="de-DE" sz="1800" dirty="0"/>
               <a:t> und </a:t>
             </a:r>
             <a:r>
-              <a:rPr lang="de-DE" sz="1800" dirty="0" err="1" smtClean="0"/>
+              <a:rPr lang="de-DE" sz="1800" dirty="0" err="1"/>
               <a:t>informationsextraktion</a:t>
             </a:r>
             <a:endParaRPr lang="de-CH" dirty="0"/>
@@ -3589,13 +3935,6 @@
   <p:clrMapOvr>
     <a:masterClrMapping/>
   </p:clrMapOvr>
-  <p:timing>
-    <p:tnLst>
-      <p:par>
-        <p:cTn id="1" dur="indefinite" restart="never" nodeType="tmRoot"/>
-      </p:par>
-    </p:tnLst>
-  </p:timing>
 </p:sld>
 </file>
 
@@ -3618,6 +3957,422 @@
       </p:grpSpPr>
       <p:sp>
         <p:nvSpPr>
+          <p:cNvPr id="2" name="Titel 1">
+            <a:extLst>
+              <a:ext uri="{FF2B5EF4-FFF2-40B4-BE49-F238E27FC236}">
+                <a16:creationId xmlns:a16="http://schemas.microsoft.com/office/drawing/2014/main" id="{12DF6489-B8CE-461F-B2A8-1F98051C8BFA}"/>
+              </a:ext>
+            </a:extLst>
+          </p:cNvPr>
+          <p:cNvSpPr>
+            <a:spLocks noGrp="1"/>
+          </p:cNvSpPr>
+          <p:nvPr>
+            <p:ph type="title"/>
+          </p:nvPr>
+        </p:nvSpPr>
+        <p:spPr/>
+        <p:txBody>
+          <a:bodyPr/>
+          <a:lstStyle/>
+          <a:p>
+            <a:r>
+              <a:rPr lang="de-CH" dirty="0"/>
+              <a:t>Resultate</a:t>
+            </a:r>
+          </a:p>
+        </p:txBody>
+      </p:sp>
+      <p:grpSp>
+        <p:nvGrpSpPr>
+          <p:cNvPr id="17" name="Gruppieren 16">
+            <a:extLst>
+              <a:ext uri="{FF2B5EF4-FFF2-40B4-BE49-F238E27FC236}">
+                <a16:creationId xmlns:a16="http://schemas.microsoft.com/office/drawing/2014/main" id="{99CAA4CE-8667-4887-9838-B22BCAC1835C}"/>
+              </a:ext>
+            </a:extLst>
+          </p:cNvPr>
+          <p:cNvGrpSpPr/>
+          <p:nvPr/>
+        </p:nvGrpSpPr>
+        <p:grpSpPr>
+          <a:xfrm>
+            <a:off x="132510" y="1844824"/>
+            <a:ext cx="4267562" cy="2309912"/>
+            <a:chOff x="121642" y="2266001"/>
+            <a:chExt cx="4267562" cy="2309912"/>
+          </a:xfrm>
+        </p:grpSpPr>
+        <p:grpSp>
+          <p:nvGrpSpPr>
+            <p:cNvPr id="11" name="Gruppieren 10">
+              <a:extLst>
+                <a:ext uri="{FF2B5EF4-FFF2-40B4-BE49-F238E27FC236}">
+                  <a16:creationId xmlns:a16="http://schemas.microsoft.com/office/drawing/2014/main" id="{97F0B1F5-2C9D-4C1E-87B4-D39C1A7E1A32}"/>
+                </a:ext>
+              </a:extLst>
+            </p:cNvPr>
+            <p:cNvGrpSpPr/>
+            <p:nvPr/>
+          </p:nvGrpSpPr>
+          <p:grpSpPr>
+            <a:xfrm>
+              <a:off x="1052194" y="2266001"/>
+              <a:ext cx="2406458" cy="1477328"/>
+              <a:chOff x="1511660" y="2132856"/>
+              <a:chExt cx="2406458" cy="1477328"/>
+            </a:xfrm>
+          </p:grpSpPr>
+          <p:sp>
+            <p:nvSpPr>
+              <p:cNvPr id="6" name="Textfeld 5">
+                <a:extLst>
+                  <a:ext uri="{FF2B5EF4-FFF2-40B4-BE49-F238E27FC236}">
+                    <a16:creationId xmlns:a16="http://schemas.microsoft.com/office/drawing/2014/main" id="{6EE93F37-54D9-4B81-8232-9C7985789D96}"/>
+                  </a:ext>
+                </a:extLst>
+              </p:cNvPr>
+              <p:cNvSpPr txBox="1"/>
+              <p:nvPr/>
+            </p:nvSpPr>
+            <p:spPr>
+              <a:xfrm>
+                <a:off x="1511660" y="2594521"/>
+                <a:ext cx="2406458" cy="1015663"/>
+              </a:xfrm>
+              <a:prstGeom prst="rect">
+                <a:avLst/>
+              </a:prstGeom>
+              <a:noFill/>
+            </p:spPr>
+            <p:txBody>
+              <a:bodyPr wrap="square" rtlCol="0">
+                <a:spAutoFit/>
+              </a:bodyPr>
+              <a:lstStyle/>
+              <a:p>
+                <a:pPr algn="ctr"/>
+                <a:r>
+                  <a:rPr lang="de-CH" sz="6000" dirty="0"/>
+                  <a:t>93.8%</a:t>
+                </a:r>
+              </a:p>
+            </p:txBody>
+          </p:sp>
+          <p:sp>
+            <p:nvSpPr>
+              <p:cNvPr id="7" name="Textfeld 6">
+                <a:extLst>
+                  <a:ext uri="{FF2B5EF4-FFF2-40B4-BE49-F238E27FC236}">
+                    <a16:creationId xmlns:a16="http://schemas.microsoft.com/office/drawing/2014/main" id="{09CEB711-BFC2-4945-A32A-39C74595859D}"/>
+                  </a:ext>
+                </a:extLst>
+              </p:cNvPr>
+              <p:cNvSpPr txBox="1"/>
+              <p:nvPr/>
+            </p:nvSpPr>
+            <p:spPr>
+              <a:xfrm>
+                <a:off x="1634769" y="2132856"/>
+                <a:ext cx="2160240" cy="461665"/>
+              </a:xfrm>
+              <a:prstGeom prst="rect">
+                <a:avLst/>
+              </a:prstGeom>
+              <a:noFill/>
+            </p:spPr>
+            <p:txBody>
+              <a:bodyPr wrap="square" rtlCol="0">
+                <a:spAutoFit/>
+              </a:bodyPr>
+              <a:lstStyle/>
+              <a:p>
+                <a:pPr algn="ctr"/>
+                <a:r>
+                  <a:rPr lang="de-CH" sz="2400" dirty="0" err="1"/>
+                  <a:t>Matching</a:t>
+                </a:r>
+                <a:endParaRPr lang="de-CH" sz="2400" dirty="0"/>
+              </a:p>
+            </p:txBody>
+          </p:sp>
+        </p:grpSp>
+        <p:sp>
+          <p:nvSpPr>
+            <p:cNvPr id="13" name="Textfeld 12">
+              <a:extLst>
+                <a:ext uri="{FF2B5EF4-FFF2-40B4-BE49-F238E27FC236}">
+                  <a16:creationId xmlns:a16="http://schemas.microsoft.com/office/drawing/2014/main" id="{BDBA3BF3-B803-41A3-9BCC-4150D235ED41}"/>
+                </a:ext>
+              </a:extLst>
+            </p:cNvPr>
+            <p:cNvSpPr txBox="1"/>
+            <p:nvPr/>
+          </p:nvSpPr>
+          <p:spPr>
+            <a:xfrm>
+              <a:off x="121642" y="3744916"/>
+              <a:ext cx="4267562" cy="830997"/>
+            </a:xfrm>
+            <a:prstGeom prst="rect">
+              <a:avLst/>
+            </a:prstGeom>
+            <a:noFill/>
+          </p:spPr>
+          <p:txBody>
+            <a:bodyPr wrap="square" rtlCol="0">
+              <a:spAutoFit/>
+            </a:bodyPr>
+            <a:lstStyle/>
+            <a:p>
+              <a:pPr algn="ctr"/>
+              <a:r>
+                <a:rPr lang="de-CH" sz="4800" dirty="0"/>
+                <a:t>266 </a:t>
+              </a:r>
+              <a:r>
+                <a:rPr lang="de-CH" sz="4800" dirty="0" err="1"/>
+                <a:t>ms</a:t>
+              </a:r>
+              <a:r>
+                <a:rPr lang="de-CH" sz="4800" dirty="0"/>
+                <a:t>/Test</a:t>
+              </a:r>
+            </a:p>
+          </p:txBody>
+        </p:sp>
+      </p:grpSp>
+      <p:grpSp>
+        <p:nvGrpSpPr>
+          <p:cNvPr id="18" name="Gruppieren 17">
+            <a:extLst>
+              <a:ext uri="{FF2B5EF4-FFF2-40B4-BE49-F238E27FC236}">
+                <a16:creationId xmlns:a16="http://schemas.microsoft.com/office/drawing/2014/main" id="{AF57AE53-B35E-4C3C-9EE2-5F0E46B0B711}"/>
+              </a:ext>
+            </a:extLst>
+          </p:cNvPr>
+          <p:cNvGrpSpPr/>
+          <p:nvPr/>
+        </p:nvGrpSpPr>
+        <p:grpSpPr>
+          <a:xfrm>
+            <a:off x="4355976" y="1844824"/>
+            <a:ext cx="4267562" cy="2308325"/>
+            <a:chOff x="4345108" y="2266001"/>
+            <a:chExt cx="4267562" cy="2308325"/>
+          </a:xfrm>
+        </p:grpSpPr>
+        <p:grpSp>
+          <p:nvGrpSpPr>
+            <p:cNvPr id="10" name="Gruppieren 9">
+              <a:extLst>
+                <a:ext uri="{FF2B5EF4-FFF2-40B4-BE49-F238E27FC236}">
+                  <a16:creationId xmlns:a16="http://schemas.microsoft.com/office/drawing/2014/main" id="{2DEEDDDD-FE69-46D7-96B1-273379627C39}"/>
+                </a:ext>
+              </a:extLst>
+            </p:cNvPr>
+            <p:cNvGrpSpPr/>
+            <p:nvPr/>
+          </p:nvGrpSpPr>
+          <p:grpSpPr>
+            <a:xfrm>
+              <a:off x="5275659" y="2266001"/>
+              <a:ext cx="2406459" cy="1477328"/>
+              <a:chOff x="4499992" y="2017767"/>
+              <a:chExt cx="2406459" cy="1477328"/>
+            </a:xfrm>
+          </p:grpSpPr>
+          <p:sp>
+            <p:nvSpPr>
+              <p:cNvPr id="8" name="Textfeld 7">
+                <a:extLst>
+                  <a:ext uri="{FF2B5EF4-FFF2-40B4-BE49-F238E27FC236}">
+                    <a16:creationId xmlns:a16="http://schemas.microsoft.com/office/drawing/2014/main" id="{3F82054F-3A93-4107-BDB8-1DC370596A2B}"/>
+                  </a:ext>
+                </a:extLst>
+              </p:cNvPr>
+              <p:cNvSpPr txBox="1"/>
+              <p:nvPr/>
+            </p:nvSpPr>
+            <p:spPr>
+              <a:xfrm>
+                <a:off x="4499992" y="2479432"/>
+                <a:ext cx="2406459" cy="1015663"/>
+              </a:xfrm>
+              <a:prstGeom prst="rect">
+                <a:avLst/>
+              </a:prstGeom>
+              <a:noFill/>
+            </p:spPr>
+            <p:txBody>
+              <a:bodyPr wrap="square" rtlCol="0">
+                <a:spAutoFit/>
+              </a:bodyPr>
+              <a:lstStyle/>
+              <a:p>
+                <a:pPr algn="ctr"/>
+                <a:r>
+                  <a:rPr lang="de-CH" sz="6000" dirty="0"/>
+                  <a:t>87.6%</a:t>
+                </a:r>
+              </a:p>
+            </p:txBody>
+          </p:sp>
+          <p:sp>
+            <p:nvSpPr>
+              <p:cNvPr id="9" name="Textfeld 8">
+                <a:extLst>
+                  <a:ext uri="{FF2B5EF4-FFF2-40B4-BE49-F238E27FC236}">
+                    <a16:creationId xmlns:a16="http://schemas.microsoft.com/office/drawing/2014/main" id="{27513F04-18E1-4438-BFFE-441116FBB4EF}"/>
+                  </a:ext>
+                </a:extLst>
+              </p:cNvPr>
+              <p:cNvSpPr txBox="1"/>
+              <p:nvPr/>
+            </p:nvSpPr>
+            <p:spPr>
+              <a:xfrm>
+                <a:off x="4619089" y="2017767"/>
+                <a:ext cx="2160240" cy="461665"/>
+              </a:xfrm>
+              <a:prstGeom prst="rect">
+                <a:avLst/>
+              </a:prstGeom>
+              <a:noFill/>
+            </p:spPr>
+            <p:txBody>
+              <a:bodyPr wrap="square" rtlCol="0">
+                <a:spAutoFit/>
+              </a:bodyPr>
+              <a:lstStyle/>
+              <a:p>
+                <a:pPr algn="ctr"/>
+                <a:r>
+                  <a:rPr lang="de-CH" sz="2400" dirty="0"/>
+                  <a:t>Extraktion</a:t>
+                </a:r>
+              </a:p>
+            </p:txBody>
+          </p:sp>
+        </p:grpSp>
+        <p:sp>
+          <p:nvSpPr>
+            <p:cNvPr id="15" name="Textfeld 14">
+              <a:extLst>
+                <a:ext uri="{FF2B5EF4-FFF2-40B4-BE49-F238E27FC236}">
+                  <a16:creationId xmlns:a16="http://schemas.microsoft.com/office/drawing/2014/main" id="{BD2EC65E-C79A-4639-987A-250973AD133E}"/>
+                </a:ext>
+              </a:extLst>
+            </p:cNvPr>
+            <p:cNvSpPr txBox="1"/>
+            <p:nvPr/>
+          </p:nvSpPr>
+          <p:spPr>
+            <a:xfrm>
+              <a:off x="4345108" y="3743329"/>
+              <a:ext cx="4267562" cy="830997"/>
+            </a:xfrm>
+            <a:prstGeom prst="rect">
+              <a:avLst/>
+            </a:prstGeom>
+            <a:noFill/>
+          </p:spPr>
+          <p:txBody>
+            <a:bodyPr wrap="square" rtlCol="0">
+              <a:spAutoFit/>
+            </a:bodyPr>
+            <a:lstStyle/>
+            <a:p>
+              <a:pPr algn="ctr"/>
+              <a:r>
+                <a:rPr lang="de-CH" sz="4800" dirty="0"/>
+                <a:t>564 </a:t>
+              </a:r>
+              <a:r>
+                <a:rPr lang="de-CH" sz="4800" dirty="0" err="1"/>
+                <a:t>ms</a:t>
+              </a:r>
+              <a:r>
+                <a:rPr lang="de-CH" sz="4800" dirty="0"/>
+                <a:t>/Test</a:t>
+              </a:r>
+            </a:p>
+          </p:txBody>
+        </p:sp>
+      </p:grpSp>
+      <p:sp>
+        <p:nvSpPr>
+          <p:cNvPr id="16" name="Textfeld 15">
+            <a:extLst>
+              <a:ext uri="{FF2B5EF4-FFF2-40B4-BE49-F238E27FC236}">
+                <a16:creationId xmlns:a16="http://schemas.microsoft.com/office/drawing/2014/main" id="{D0BE1F01-28FC-4A31-9776-506B0D5D1F26}"/>
+              </a:ext>
+            </a:extLst>
+          </p:cNvPr>
+          <p:cNvSpPr txBox="1"/>
+          <p:nvPr/>
+        </p:nvSpPr>
+        <p:spPr>
+          <a:xfrm>
+            <a:off x="2987824" y="4519821"/>
+            <a:ext cx="4267562" cy="1200329"/>
+          </a:xfrm>
+          <a:prstGeom prst="rect">
+            <a:avLst/>
+          </a:prstGeom>
+          <a:noFill/>
+        </p:spPr>
+        <p:txBody>
+          <a:bodyPr wrap="square" rtlCol="0">
+            <a:spAutoFit/>
+          </a:bodyPr>
+          <a:lstStyle/>
+          <a:p>
+            <a:r>
+              <a:rPr lang="de-CH" sz="3600" dirty="0"/>
+              <a:t>17 Testvorlagen</a:t>
+            </a:r>
+          </a:p>
+          <a:p>
+            <a:r>
+              <a:rPr lang="de-CH" sz="3600" dirty="0"/>
+              <a:t>87 Testbilder</a:t>
+            </a:r>
+          </a:p>
+        </p:txBody>
+      </p:sp>
+    </p:spTree>
+    <p:extLst>
+      <p:ext uri="{BB962C8B-B14F-4D97-AF65-F5344CB8AC3E}">
+        <p14:creationId xmlns:p14="http://schemas.microsoft.com/office/powerpoint/2010/main" val="2493472700"/>
+      </p:ext>
+    </p:extLst>
+  </p:cSld>
+  <p:clrMapOvr>
+    <a:masterClrMapping/>
+  </p:clrMapOvr>
+</p:sld>
+</file>
+
+<file path=ppt/slides/slide11.xml><?xml version="1.0" encoding="utf-8"?>
+<p:sld xmlns:a="http://schemas.openxmlformats.org/drawingml/2006/main" xmlns:r="http://schemas.openxmlformats.org/officeDocument/2006/relationships" xmlns:p="http://schemas.openxmlformats.org/presentationml/2006/main">
+  <p:cSld>
+    <p:spTree>
+      <p:nvGrpSpPr>
+        <p:cNvPr id="1" name=""/>
+        <p:cNvGrpSpPr/>
+        <p:nvPr/>
+      </p:nvGrpSpPr>
+      <p:grpSpPr>
+        <a:xfrm>
+          <a:off x="0" y="0"/>
+          <a:ext cx="0" cy="0"/>
+          <a:chOff x="0" y="0"/>
+          <a:chExt cx="0" cy="0"/>
+        </a:xfrm>
+      </p:grpSpPr>
+      <p:sp>
+        <p:nvSpPr>
           <p:cNvPr id="2" name="Titel 1"/>
           <p:cNvSpPr>
             <a:spLocks noGrp="1"/>
@@ -3632,10 +4387,9 @@
           <a:lstStyle/>
           <a:p>
             <a:r>
-              <a:rPr lang="de-CH" dirty="0" smtClean="0"/>
+              <a:rPr lang="de-CH" dirty="0"/>
               <a:t>Demonstration</a:t>
             </a:r>
-            <a:endParaRPr lang="de-CH" dirty="0"/>
           </a:p>
         </p:txBody>
       </p:sp>
@@ -3702,137 +4456,6 @@
   <p:clrMapOvr>
     <a:masterClrMapping/>
   </p:clrMapOvr>
-  <p:timing>
-    <p:tnLst>
-      <p:par>
-        <p:cTn id="1" dur="indefinite" restart="never" nodeType="tmRoot"/>
-      </p:par>
-    </p:tnLst>
-  </p:timing>
-</p:sld>
-</file>
-
-<file path=ppt/slides/slide11.xml><?xml version="1.0" encoding="utf-8"?>
-<p:sld xmlns:a="http://schemas.openxmlformats.org/drawingml/2006/main" xmlns:r="http://schemas.openxmlformats.org/officeDocument/2006/relationships" xmlns:p="http://schemas.openxmlformats.org/presentationml/2006/main">
-  <p:cSld>
-    <p:spTree>
-      <p:nvGrpSpPr>
-        <p:cNvPr id="1" name=""/>
-        <p:cNvGrpSpPr/>
-        <p:nvPr/>
-      </p:nvGrpSpPr>
-      <p:grpSpPr>
-        <a:xfrm>
-          <a:off x="0" y="0"/>
-          <a:ext cx="0" cy="0"/>
-          <a:chOff x="0" y="0"/>
-          <a:chExt cx="0" cy="0"/>
-        </a:xfrm>
-      </p:grpSpPr>
-      <p:sp>
-        <p:nvSpPr>
-          <p:cNvPr id="2" name="Titel 1"/>
-          <p:cNvSpPr>
-            <a:spLocks noGrp="1"/>
-          </p:cNvSpPr>
-          <p:nvPr>
-            <p:ph type="title"/>
-          </p:nvPr>
-        </p:nvSpPr>
-        <p:spPr/>
-        <p:txBody>
-          <a:bodyPr/>
-          <a:lstStyle/>
-          <a:p>
-            <a:r>
-              <a:rPr lang="de-CH" dirty="0" err="1" smtClean="0"/>
-              <a:t>Lessons</a:t>
-            </a:r>
-            <a:r>
-              <a:rPr lang="de-CH" dirty="0" smtClean="0"/>
-              <a:t> </a:t>
-            </a:r>
-            <a:r>
-              <a:rPr lang="de-CH" dirty="0" err="1" smtClean="0"/>
-              <a:t>learned</a:t>
-            </a:r>
-            <a:endParaRPr lang="de-CH" dirty="0"/>
-          </a:p>
-        </p:txBody>
-      </p:sp>
-      <p:sp>
-        <p:nvSpPr>
-          <p:cNvPr id="3" name="Inhaltsplatzhalter 2"/>
-          <p:cNvSpPr>
-            <a:spLocks noGrp="1"/>
-          </p:cNvSpPr>
-          <p:nvPr>
-            <p:ph idx="1"/>
-          </p:nvPr>
-        </p:nvSpPr>
-        <p:spPr/>
-        <p:txBody>
-          <a:bodyPr/>
-          <a:lstStyle/>
-          <a:p>
-            <a:pPr marL="342900" indent="-342900">
-              <a:buFont typeface="Arial" panose="020B0604020202020204" pitchFamily="34" charset="0"/>
-              <a:buChar char="•"/>
-            </a:pPr>
-            <a:r>
-              <a:rPr lang="de-CH" dirty="0" smtClean="0"/>
-              <a:t>Frühzeitige Erarbeitung der Testdaten</a:t>
-            </a:r>
-          </a:p>
-          <a:p>
-            <a:pPr marL="342900" indent="-342900">
-              <a:buFont typeface="Arial" panose="020B0604020202020204" pitchFamily="34" charset="0"/>
-              <a:buChar char="•"/>
-            </a:pPr>
-            <a:r>
-              <a:rPr lang="de-CH" dirty="0" smtClean="0"/>
-              <a:t>Genug Zeit für Unbekanntes einplanen</a:t>
-            </a:r>
-          </a:p>
-          <a:p>
-            <a:pPr marL="342900" indent="-342900">
-              <a:buFont typeface="Arial" panose="020B0604020202020204" pitchFamily="34" charset="0"/>
-              <a:buChar char="•"/>
-            </a:pPr>
-            <a:endParaRPr lang="de-CH" dirty="0"/>
-          </a:p>
-          <a:p>
-            <a:r>
-              <a:rPr lang="de-CH" dirty="0" smtClean="0">
-                <a:sym typeface="Wingdings" panose="05000000000000000000" pitchFamily="2" charset="2"/>
-              </a:rPr>
-              <a:t> </a:t>
-            </a:r>
-            <a:r>
-              <a:rPr lang="de-CH" dirty="0" smtClean="0"/>
-              <a:t>Projekt erfolgreich</a:t>
-            </a:r>
-            <a:endParaRPr lang="de-CH" dirty="0"/>
-          </a:p>
-        </p:txBody>
-      </p:sp>
-    </p:spTree>
-    <p:extLst>
-      <p:ext uri="{BB962C8B-B14F-4D97-AF65-F5344CB8AC3E}">
-        <p14:creationId xmlns:p14="http://schemas.microsoft.com/office/powerpoint/2010/main" val="604681213"/>
-      </p:ext>
-    </p:extLst>
-  </p:cSld>
-  <p:clrMapOvr>
-    <a:masterClrMapping/>
-  </p:clrMapOvr>
-  <p:timing>
-    <p:tnLst>
-      <p:par>
-        <p:cTn id="1" dur="indefinite" restart="never" nodeType="tmRoot"/>
-      </p:par>
-    </p:tnLst>
-  </p:timing>
 </p:sld>
 </file>
 
@@ -3863,6 +4486,122 @@
             <p:ph type="title"/>
           </p:nvPr>
         </p:nvSpPr>
+        <p:spPr/>
+        <p:txBody>
+          <a:bodyPr/>
+          <a:lstStyle/>
+          <a:p>
+            <a:r>
+              <a:rPr lang="de-CH" dirty="0" err="1"/>
+              <a:t>Lessons</a:t>
+            </a:r>
+            <a:r>
+              <a:rPr lang="de-CH" dirty="0"/>
+              <a:t> </a:t>
+            </a:r>
+            <a:r>
+              <a:rPr lang="de-CH" dirty="0" err="1"/>
+              <a:t>learned</a:t>
+            </a:r>
+            <a:endParaRPr lang="de-CH" dirty="0"/>
+          </a:p>
+        </p:txBody>
+      </p:sp>
+      <p:sp>
+        <p:nvSpPr>
+          <p:cNvPr id="3" name="Inhaltsplatzhalter 2"/>
+          <p:cNvSpPr>
+            <a:spLocks noGrp="1"/>
+          </p:cNvSpPr>
+          <p:nvPr>
+            <p:ph idx="1"/>
+          </p:nvPr>
+        </p:nvSpPr>
+        <p:spPr/>
+        <p:txBody>
+          <a:bodyPr/>
+          <a:lstStyle/>
+          <a:p>
+            <a:pPr marL="342900" indent="-342900">
+              <a:buFont typeface="Arial" panose="020B0604020202020204" pitchFamily="34" charset="0"/>
+              <a:buChar char="•"/>
+            </a:pPr>
+            <a:r>
+              <a:rPr lang="de-CH" dirty="0"/>
+              <a:t>Frühzeitige Erarbeitung der Testdaten</a:t>
+            </a:r>
+          </a:p>
+          <a:p>
+            <a:pPr marL="342900" indent="-342900">
+              <a:buFont typeface="Arial" panose="020B0604020202020204" pitchFamily="34" charset="0"/>
+              <a:buChar char="•"/>
+            </a:pPr>
+            <a:r>
+              <a:rPr lang="de-CH" dirty="0"/>
+              <a:t>Genug Zeit für Unbekanntes einplanen</a:t>
+            </a:r>
+          </a:p>
+          <a:p>
+            <a:pPr marL="342900" indent="-342900">
+              <a:buFont typeface="Arial" panose="020B0604020202020204" pitchFamily="34" charset="0"/>
+              <a:buChar char="•"/>
+            </a:pPr>
+            <a:endParaRPr lang="de-CH" dirty="0"/>
+          </a:p>
+          <a:p>
+            <a:r>
+              <a:rPr lang="de-CH" dirty="0">
+                <a:sym typeface="Wingdings" panose="05000000000000000000" pitchFamily="2" charset="2"/>
+              </a:rPr>
+              <a:t> </a:t>
+            </a:r>
+            <a:r>
+              <a:rPr lang="de-CH" dirty="0"/>
+              <a:t>Projekt erfolgreich</a:t>
+            </a:r>
+          </a:p>
+        </p:txBody>
+      </p:sp>
+    </p:spTree>
+    <p:extLst>
+      <p:ext uri="{BB962C8B-B14F-4D97-AF65-F5344CB8AC3E}">
+        <p14:creationId xmlns:p14="http://schemas.microsoft.com/office/powerpoint/2010/main" val="604681213"/>
+      </p:ext>
+    </p:extLst>
+  </p:cSld>
+  <p:clrMapOvr>
+    <a:masterClrMapping/>
+  </p:clrMapOvr>
+</p:sld>
+</file>
+
+<file path=ppt/slides/slide13.xml><?xml version="1.0" encoding="utf-8"?>
+<p:sld xmlns:a="http://schemas.openxmlformats.org/drawingml/2006/main" xmlns:r="http://schemas.openxmlformats.org/officeDocument/2006/relationships" xmlns:p="http://schemas.openxmlformats.org/presentationml/2006/main">
+  <p:cSld>
+    <p:spTree>
+      <p:nvGrpSpPr>
+        <p:cNvPr id="1" name=""/>
+        <p:cNvGrpSpPr/>
+        <p:nvPr/>
+      </p:nvGrpSpPr>
+      <p:grpSpPr>
+        <a:xfrm>
+          <a:off x="0" y="0"/>
+          <a:ext cx="0" cy="0"/>
+          <a:chOff x="0" y="0"/>
+          <a:chExt cx="0" cy="0"/>
+        </a:xfrm>
+      </p:grpSpPr>
+      <p:sp>
+        <p:nvSpPr>
+          <p:cNvPr id="2" name="Titel 1"/>
+          <p:cNvSpPr>
+            <a:spLocks noGrp="1"/>
+          </p:cNvSpPr>
+          <p:nvPr>
+            <p:ph type="title"/>
+          </p:nvPr>
+        </p:nvSpPr>
         <p:spPr>
           <a:xfrm>
             <a:off x="467544" y="797178"/>
@@ -3876,10 +4615,9 @@
           <a:lstStyle/>
           <a:p>
             <a:r>
-              <a:rPr lang="de-CH" dirty="0" smtClean="0"/>
+              <a:rPr lang="de-CH" dirty="0"/>
               <a:t>fragen</a:t>
             </a:r>
-            <a:endParaRPr lang="de-CH" dirty="0"/>
           </a:p>
         </p:txBody>
       </p:sp>
@@ -3907,14 +4645,11 @@
           <a:p>
             <a:pPr algn="ctr"/>
             <a:r>
-              <a:rPr lang="de-CH" sz="34400" b="0" dirty="0" smtClean="0">
+              <a:rPr lang="de-CH" sz="34400" b="0" dirty="0">
                 <a:latin typeface="Comic Sans MS" panose="030F0702030302020204" pitchFamily="66" charset="0"/>
               </a:rPr>
               <a:t>?</a:t>
             </a:r>
-            <a:endParaRPr lang="de-CH" sz="34400" b="0" dirty="0">
-              <a:latin typeface="Comic Sans MS" panose="030F0702030302020204" pitchFamily="66" charset="0"/>
-            </a:endParaRPr>
           </a:p>
         </p:txBody>
       </p:sp>
@@ -3928,13 +4663,6 @@
   <p:clrMapOvr>
     <a:masterClrMapping/>
   </p:clrMapOvr>
-  <p:timing>
-    <p:tnLst>
-      <p:par>
-        <p:cTn id="1" dur="indefinite" restart="never" nodeType="tmRoot"/>
-      </p:par>
-    </p:tnLst>
-  </p:timing>
 </p:sld>
 </file>
 
@@ -3971,18 +4699,17 @@
           <a:lstStyle/>
           <a:p>
             <a:r>
-              <a:rPr lang="de-CH" dirty="0" smtClean="0"/>
+              <a:rPr lang="de-CH" dirty="0"/>
               <a:t>Was ist </a:t>
             </a:r>
             <a:r>
-              <a:rPr lang="de-CH" dirty="0" err="1" smtClean="0"/>
+              <a:rPr lang="de-CH" dirty="0" err="1"/>
               <a:t>cti</a:t>
             </a:r>
             <a:r>
-              <a:rPr lang="de-CH" dirty="0" smtClean="0"/>
+              <a:rPr lang="de-CH" dirty="0"/>
               <a:t>?</a:t>
             </a:r>
-            <a:endParaRPr lang="de-CH" dirty="0"/>
           </a:p>
         </p:txBody>
       </p:sp>
@@ -4025,13 +4752,6 @@
   <p:clrMapOvr>
     <a:masterClrMapping/>
   </p:clrMapOvr>
-  <p:timing>
-    <p:tnLst>
-      <p:par>
-        <p:cTn id="1" dur="indefinite" restart="never" nodeType="tmRoot"/>
-      </p:par>
-    </p:tnLst>
-  </p:timing>
 </p:sld>
 </file>
 
@@ -4073,11 +4793,11 @@
           <a:lstStyle/>
           <a:p>
             <a:r>
-              <a:rPr lang="de-CH" dirty="0" smtClean="0"/>
+              <a:rPr lang="de-CH" dirty="0"/>
               <a:t>Zielsetzung / </a:t>
             </a:r>
             <a:r>
-              <a:rPr lang="de-CH" dirty="0" err="1" smtClean="0"/>
+              <a:rPr lang="de-CH" dirty="0" err="1"/>
               <a:t>anforderungen</a:t>
             </a:r>
             <a:endParaRPr lang="de-CH" dirty="0"/>
@@ -4096,7 +4816,9 @@
         </p:nvSpPr>
         <p:spPr/>
         <p:txBody>
-          <a:bodyPr/>
+          <a:bodyPr>
+            <a:normAutofit lnSpcReduction="10000"/>
+          </a:bodyPr>
           <a:lstStyle/>
           <a:p>
             <a:pPr marL="342900" indent="-342900">
@@ -4104,21 +4826,21 @@
               <a:buChar char="•"/>
             </a:pPr>
             <a:r>
-              <a:rPr lang="de-CH" dirty="0" smtClean="0"/>
+              <a:rPr lang="de-CH" dirty="0"/>
               <a:t>Vorlagen</a:t>
             </a:r>
           </a:p>
           <a:p>
             <a:pPr marL="800100" lvl="1" indent="-342900"/>
             <a:r>
-              <a:rPr lang="de-CH" dirty="0" smtClean="0"/>
+              <a:rPr lang="de-CH" dirty="0"/>
               <a:t>Bild</a:t>
             </a:r>
           </a:p>
           <a:p>
             <a:pPr marL="800100" lvl="1" indent="-342900"/>
             <a:r>
-              <a:rPr lang="de-CH" dirty="0" smtClean="0"/>
+              <a:rPr lang="de-CH" dirty="0"/>
               <a:t>Textbereiche</a:t>
             </a:r>
           </a:p>
@@ -4128,28 +4850,28 @@
               <a:buChar char="•"/>
             </a:pPr>
             <a:r>
-              <a:rPr lang="de-CH" dirty="0" smtClean="0"/>
+              <a:rPr lang="de-CH" dirty="0"/>
               <a:t>Eingabebild</a:t>
             </a:r>
           </a:p>
           <a:p>
             <a:pPr marL="800100" lvl="1" indent="-342900"/>
             <a:r>
-              <a:rPr lang="de-CH" dirty="0" smtClean="0"/>
+              <a:rPr lang="de-CH" dirty="0"/>
               <a:t>Teilweise verdeckt</a:t>
             </a:r>
           </a:p>
           <a:p>
             <a:pPr marL="800100" lvl="1" indent="-342900"/>
             <a:r>
-              <a:rPr lang="de-CH" dirty="0" smtClean="0"/>
+              <a:rPr lang="de-CH" dirty="0"/>
               <a:t>Gedreht</a:t>
             </a:r>
           </a:p>
           <a:p>
             <a:pPr marL="800100" lvl="1" indent="-342900"/>
             <a:r>
-              <a:rPr lang="de-CH" dirty="0" smtClean="0"/>
+              <a:rPr lang="de-CH" dirty="0"/>
               <a:t>Skaliert</a:t>
             </a:r>
           </a:p>
@@ -4159,11 +4881,11 @@
               <a:buChar char="•"/>
             </a:pPr>
             <a:r>
-              <a:rPr lang="de-CH" dirty="0" err="1" smtClean="0"/>
+              <a:rPr lang="de-CH" dirty="0" err="1"/>
               <a:t>Matching</a:t>
             </a:r>
             <a:r>
-              <a:rPr lang="de-CH" dirty="0" smtClean="0"/>
+              <a:rPr lang="de-CH" dirty="0"/>
               <a:t> </a:t>
             </a:r>
           </a:p>
@@ -4173,8 +4895,28 @@
               <a:buChar char="•"/>
             </a:pPr>
             <a:r>
-              <a:rPr lang="de-CH" dirty="0" smtClean="0"/>
+              <a:rPr lang="de-CH" dirty="0"/>
               <a:t>Textextraktion</a:t>
+            </a:r>
+          </a:p>
+          <a:p>
+            <a:pPr marL="342900" indent="-342900">
+              <a:buFont typeface="Arial" panose="020B0604020202020204" pitchFamily="34" charset="0"/>
+              <a:buChar char="•"/>
+            </a:pPr>
+            <a:r>
+              <a:rPr lang="de-CH" dirty="0"/>
+              <a:t>Windows &amp; Linux</a:t>
+            </a:r>
+          </a:p>
+          <a:p>
+            <a:pPr marL="342900" indent="-342900">
+              <a:buFont typeface="Arial" panose="020B0604020202020204" pitchFamily="34" charset="0"/>
+              <a:buChar char="•"/>
+            </a:pPr>
+            <a:r>
+              <a:rPr lang="de-CH" dirty="0"/>
+              <a:t>C++ &amp; Java</a:t>
             </a:r>
           </a:p>
         </p:txBody>
@@ -4261,13 +5003,6 @@
   <p:clrMapOvr>
     <a:masterClrMapping/>
   </p:clrMapOvr>
-  <p:timing>
-    <p:tnLst>
-      <p:par>
-        <p:cTn id="1" dur="indefinite" restart="never" nodeType="tmRoot"/>
-      </p:par>
-    </p:tnLst>
-  </p:timing>
 </p:sld>
 </file>
 
@@ -4337,14 +5072,9 @@
           <a:lstStyle/>
           <a:p>
             <a:r>
-              <a:rPr lang="de-CH" dirty="0" smtClean="0"/>
-              <a:t>Vorgehen und </a:t>
-            </a:r>
-            <a:r>
-              <a:rPr lang="de-CH" dirty="0" smtClean="0"/>
-              <a:t>Planung</a:t>
-            </a:r>
-            <a:endParaRPr lang="de-CH" dirty="0"/>
+              <a:rPr lang="de-CH" dirty="0"/>
+              <a:t>Vorgehen und Planung</a:t>
+            </a:r>
           </a:p>
         </p:txBody>
       </p:sp>
@@ -4358,13 +5088,6 @@
   <p:clrMapOvr>
     <a:masterClrMapping/>
   </p:clrMapOvr>
-  <p:timing>
-    <p:tnLst>
-      <p:par>
-        <p:cTn id="1" dur="indefinite" restart="never" nodeType="tmRoot"/>
-      </p:par>
-    </p:tnLst>
-  </p:timing>
 </p:sld>
 </file>
 
@@ -4408,10 +5131,9 @@
           <a:lstStyle/>
           <a:p>
             <a:r>
-              <a:rPr lang="de-CH" dirty="0" smtClean="0"/>
+              <a:rPr lang="de-CH" dirty="0"/>
               <a:t>Architektur I</a:t>
             </a:r>
-            <a:endParaRPr lang="de-CH" dirty="0"/>
           </a:p>
         </p:txBody>
       </p:sp>
@@ -4454,13 +5176,6 @@
   <p:clrMapOvr>
     <a:masterClrMapping/>
   </p:clrMapOvr>
-  <p:timing>
-    <p:tnLst>
-      <p:par>
-        <p:cTn id="1" dur="indefinite" restart="never" nodeType="tmRoot"/>
-      </p:par>
-    </p:tnLst>
-  </p:timing>
 </p:sld>
 </file>
 
@@ -4497,10 +5212,9 @@
           <a:lstStyle/>
           <a:p>
             <a:r>
-              <a:rPr lang="de-CH" dirty="0" smtClean="0"/>
+              <a:rPr lang="de-CH" dirty="0"/>
               <a:t>Architektur II</a:t>
             </a:r>
-            <a:endParaRPr lang="de-CH" dirty="0"/>
           </a:p>
         </p:txBody>
       </p:sp>
@@ -4546,13 +5260,6 @@
   <p:clrMapOvr>
     <a:masterClrMapping/>
   </p:clrMapOvr>
-  <p:timing>
-    <p:tnLst>
-      <p:par>
-        <p:cTn id="1" dur="indefinite" restart="never" nodeType="tmRoot"/>
-      </p:par>
-    </p:tnLst>
-  </p:timing>
 </p:sld>
 </file>
 
@@ -4592,39 +5299,39 @@
           <a:p>
             <a:pPr marL="914400" lvl="1" indent="-457200"/>
             <a:r>
-              <a:rPr lang="de-CH" b="0" dirty="0" smtClean="0"/>
+              <a:rPr lang="de-CH" b="0" dirty="0"/>
               <a:t>Aufsetzen des Projekts</a:t>
             </a:r>
           </a:p>
           <a:p>
             <a:pPr marL="1600200" lvl="2" indent="-457200"/>
             <a:r>
-              <a:rPr lang="de-CH" dirty="0" smtClean="0"/>
+              <a:rPr lang="de-CH" dirty="0"/>
               <a:t>Windows-Umgebung</a:t>
             </a:r>
           </a:p>
           <a:p>
             <a:pPr marL="1600200" lvl="2" indent="-457200"/>
             <a:r>
-              <a:rPr lang="de-CH" b="0" dirty="0" smtClean="0"/>
+              <a:rPr lang="de-CH" b="0" dirty="0"/>
               <a:t>Linux-Umgebung (Docker-</a:t>
             </a:r>
             <a:r>
-              <a:rPr lang="de-CH" b="0" dirty="0" err="1" smtClean="0"/>
+              <a:rPr lang="de-CH" b="0" dirty="0" err="1"/>
               <a:t>Build</a:t>
             </a:r>
             <a:r>
-              <a:rPr lang="de-CH" b="0" dirty="0" smtClean="0"/>
+              <a:rPr lang="de-CH" b="0" dirty="0"/>
               <a:t> / Test)</a:t>
             </a:r>
           </a:p>
           <a:p>
             <a:pPr marL="914400" lvl="1" indent="-457200"/>
             <a:r>
-              <a:rPr lang="de-CH" dirty="0" smtClean="0"/>
+              <a:rPr lang="de-CH" dirty="0"/>
               <a:t>Java-Adapter (Allgemeine Vorgehensweise)</a:t>
             </a:r>
-            <a:endParaRPr lang="de-CH" b="0" dirty="0" smtClean="0"/>
+            <a:endParaRPr lang="de-CH" b="0" dirty="0"/>
           </a:p>
         </p:txBody>
       </p:sp>
@@ -4651,7 +5358,7 @@
           <a:lstStyle/>
           <a:p>
             <a:r>
-              <a:rPr lang="de-CH" b="1" dirty="0" err="1" smtClean="0"/>
+              <a:rPr lang="de-CH" b="1" dirty="0" err="1"/>
               <a:t>herausforderungen</a:t>
             </a:r>
             <a:endParaRPr lang="de-CH" dirty="0"/>
@@ -4668,13 +5375,6 @@
   <p:clrMapOvr>
     <a:masterClrMapping/>
   </p:clrMapOvr>
-  <p:timing>
-    <p:tnLst>
-      <p:par>
-        <p:cTn id="1" dur="indefinite" restart="never" nodeType="tmRoot"/>
-      </p:par>
-    </p:tnLst>
-  </p:timing>
 </p:sld>
 </file>
 
@@ -4711,11 +5411,11 @@
           <a:lstStyle/>
           <a:p>
             <a:r>
-              <a:rPr lang="de-CH" dirty="0" smtClean="0"/>
+              <a:rPr lang="de-CH" dirty="0"/>
               <a:t>Herausforderung - </a:t>
             </a:r>
             <a:r>
-              <a:rPr lang="de-CH" dirty="0" err="1" smtClean="0"/>
+              <a:rPr lang="de-CH" dirty="0" err="1"/>
               <a:t>Matching</a:t>
             </a:r>
             <a:endParaRPr lang="de-CH" dirty="0"/>
@@ -4761,13 +5461,6 @@
   <p:clrMapOvr>
     <a:masterClrMapping/>
   </p:clrMapOvr>
-  <p:timing>
-    <p:tnLst>
-      <p:par>
-        <p:cTn id="1" dur="indefinite" restart="never" nodeType="tmRoot"/>
-      </p:par>
-    </p:tnLst>
-  </p:timing>
 </p:sld>
 </file>
 
@@ -4804,10 +5497,9 @@
           <a:lstStyle/>
           <a:p>
             <a:r>
-              <a:rPr lang="de-CH" dirty="0" smtClean="0"/>
+              <a:rPr lang="de-CH" dirty="0"/>
               <a:t>Herausforderung - Extraktion</a:t>
             </a:r>
-            <a:endParaRPr lang="de-CH" dirty="0"/>
           </a:p>
         </p:txBody>
       </p:sp>
@@ -4853,13 +5545,6 @@
   <p:clrMapOvr>
     <a:masterClrMapping/>
   </p:clrMapOvr>
-  <p:timing>
-    <p:tnLst>
-      <p:par>
-        <p:cTn id="1" dur="indefinite" restart="never" nodeType="tmRoot"/>
-      </p:par>
-    </p:tnLst>
-  </p:timing>
 </p:sld>
 </file>
 
@@ -5114,4 +5799,299 @@
   <a:objectDefaults/>
   <a:extraClrSchemeLst/>
 </a:theme>
+</file>
+
+<file path=ppt/theme/theme2.xml><?xml version="1.0" encoding="utf-8"?>
+<a:theme xmlns:a="http://schemas.openxmlformats.org/drawingml/2006/main" name="Office">
+  <a:themeElements>
+    <a:clrScheme name="Office">
+      <a:dk1>
+        <a:sysClr val="windowText" lastClr="000000"/>
+      </a:dk1>
+      <a:lt1>
+        <a:sysClr val="window" lastClr="FFFFFF"/>
+      </a:lt1>
+      <a:dk2>
+        <a:srgbClr val="44546A"/>
+      </a:dk2>
+      <a:lt2>
+        <a:srgbClr val="E7E6E6"/>
+      </a:lt2>
+      <a:accent1>
+        <a:srgbClr val="4472C4"/>
+      </a:accent1>
+      <a:accent2>
+        <a:srgbClr val="ED7D31"/>
+      </a:accent2>
+      <a:accent3>
+        <a:srgbClr val="A5A5A5"/>
+      </a:accent3>
+      <a:accent4>
+        <a:srgbClr val="FFC000"/>
+      </a:accent4>
+      <a:accent5>
+        <a:srgbClr val="5B9BD5"/>
+      </a:accent5>
+      <a:accent6>
+        <a:srgbClr val="70AD47"/>
+      </a:accent6>
+      <a:hlink>
+        <a:srgbClr val="0563C1"/>
+      </a:hlink>
+      <a:folHlink>
+        <a:srgbClr val="954F72"/>
+      </a:folHlink>
+    </a:clrScheme>
+    <a:fontScheme name="Office">
+      <a:majorFont>
+        <a:latin typeface="Calibri Light" panose="020F0302020204030204"/>
+        <a:ea typeface=""/>
+        <a:cs typeface=""/>
+        <a:font script="Jpan" typeface="游ゴシック Light"/>
+        <a:font script="Hang" typeface="맑은 고딕"/>
+        <a:font script="Hans" typeface="等线 Light"/>
+        <a:font script="Hant" typeface="新細明體"/>
+        <a:font script="Arab" typeface="Times New Roman"/>
+        <a:font script="Hebr" typeface="Times New Roman"/>
+        <a:font script="Thai" typeface="Angsana New"/>
+        <a:font script="Ethi" typeface="Nyala"/>
+        <a:font script="Beng" typeface="Vrinda"/>
+        <a:font script="Gujr" typeface="Shruti"/>
+        <a:font script="Khmr" typeface="MoolBoran"/>
+        <a:font script="Knda" typeface="Tunga"/>
+        <a:font script="Guru" typeface="Raavi"/>
+        <a:font script="Cans" typeface="Euphemia"/>
+        <a:font script="Cher" typeface="Plantagenet Cherokee"/>
+        <a:font script="Yiii" typeface="Microsoft Yi Baiti"/>
+        <a:font script="Tibt" typeface="Microsoft Himalaya"/>
+        <a:font script="Thaa" typeface="MV Boli"/>
+        <a:font script="Deva" typeface="Mangal"/>
+        <a:font script="Telu" typeface="Gautami"/>
+        <a:font script="Taml" typeface="Latha"/>
+        <a:font script="Syrc" typeface="Estrangelo Edessa"/>
+        <a:font script="Orya" typeface="Kalinga"/>
+        <a:font script="Mlym" typeface="Kartika"/>
+        <a:font script="Laoo" typeface="DokChampa"/>
+        <a:font script="Sinh" typeface="Iskoola Pota"/>
+        <a:font script="Mong" typeface="Mongolian Baiti"/>
+        <a:font script="Viet" typeface="Times New Roman"/>
+        <a:font script="Uigh" typeface="Microsoft Uighur"/>
+        <a:font script="Geor" typeface="Sylfaen"/>
+        <a:font script="Armn" typeface="Arial"/>
+        <a:font script="Bugi" typeface="Leelawadee UI"/>
+        <a:font script="Bopo" typeface="Microsoft JhengHei"/>
+        <a:font script="Java" typeface="Javanese Text"/>
+        <a:font script="Lisu" typeface="Segoe UI"/>
+        <a:font script="Mymr" typeface="Myanmar Text"/>
+        <a:font script="Nkoo" typeface="Ebrima"/>
+        <a:font script="Olck" typeface="Nirmala UI"/>
+        <a:font script="Osma" typeface="Ebrima"/>
+        <a:font script="Phag" typeface="Phagspa"/>
+        <a:font script="Syrn" typeface="Estrangelo Edessa"/>
+        <a:font script="Syrj" typeface="Estrangelo Edessa"/>
+        <a:font script="Syre" typeface="Estrangelo Edessa"/>
+        <a:font script="Sora" typeface="Nirmala UI"/>
+        <a:font script="Tale" typeface="Microsoft Tai Le"/>
+        <a:font script="Talu" typeface="Microsoft New Tai Lue"/>
+        <a:font script="Tfng" typeface="Ebrima"/>
+      </a:majorFont>
+      <a:minorFont>
+        <a:latin typeface="Calibri" panose="020F0502020204030204"/>
+        <a:ea typeface=""/>
+        <a:cs typeface=""/>
+        <a:font script="Jpan" typeface="游ゴシック"/>
+        <a:font script="Hang" typeface="맑은 고딕"/>
+        <a:font script="Hans" typeface="等线"/>
+        <a:font script="Hant" typeface="新細明體"/>
+        <a:font script="Arab" typeface="Arial"/>
+        <a:font script="Hebr" typeface="Arial"/>
+        <a:font script="Thai" typeface="Cordia New"/>
+        <a:font script="Ethi" typeface="Nyala"/>
+        <a:font script="Beng" typeface="Vrinda"/>
+        <a:font script="Gujr" typeface="Shruti"/>
+        <a:font script="Khmr" typeface="DaunPenh"/>
+        <a:font script="Knda" typeface="Tunga"/>
+        <a:font script="Guru" typeface="Raavi"/>
+        <a:font script="Cans" typeface="Euphemia"/>
+        <a:font script="Cher" typeface="Plantagenet Cherokee"/>
+        <a:font script="Yiii" typeface="Microsoft Yi Baiti"/>
+        <a:font script="Tibt" typeface="Microsoft Himalaya"/>
+        <a:font script="Thaa" typeface="MV Boli"/>
+        <a:font script="Deva" typeface="Mangal"/>
+        <a:font script="Telu" typeface="Gautami"/>
+        <a:font script="Taml" typeface="Latha"/>
+        <a:font script="Syrc" typeface="Estrangelo Edessa"/>
+        <a:font script="Orya" typeface="Kalinga"/>
+        <a:font script="Mlym" typeface="Kartika"/>
+        <a:font script="Laoo" typeface="DokChampa"/>
+        <a:font script="Sinh" typeface="Iskoola Pota"/>
+        <a:font script="Mong" typeface="Mongolian Baiti"/>
+        <a:font script="Viet" typeface="Arial"/>
+        <a:font script="Uigh" typeface="Microsoft Uighur"/>
+        <a:font script="Geor" typeface="Sylfaen"/>
+        <a:font script="Armn" typeface="Arial"/>
+        <a:font script="Bugi" typeface="Leelawadee UI"/>
+        <a:font script="Bopo" typeface="Microsoft JhengHei"/>
+        <a:font script="Java" typeface="Javanese Text"/>
+        <a:font script="Lisu" typeface="Segoe UI"/>
+        <a:font script="Mymr" typeface="Myanmar Text"/>
+        <a:font script="Nkoo" typeface="Ebrima"/>
+        <a:font script="Olck" typeface="Nirmala UI"/>
+        <a:font script="Osma" typeface="Ebrima"/>
+        <a:font script="Phag" typeface="Phagspa"/>
+        <a:font script="Syrn" typeface="Estrangelo Edessa"/>
+        <a:font script="Syrj" typeface="Estrangelo Edessa"/>
+        <a:font script="Syre" typeface="Estrangelo Edessa"/>
+        <a:font script="Sora" typeface="Nirmala UI"/>
+        <a:font script="Tale" typeface="Microsoft Tai Le"/>
+        <a:font script="Talu" typeface="Microsoft New Tai Lue"/>
+        <a:font script="Tfng" typeface="Ebrima"/>
+      </a:minorFont>
+    </a:fontScheme>
+    <a:fmtScheme name="Office">
+      <a:fillStyleLst>
+        <a:solidFill>
+          <a:schemeClr val="phClr"/>
+        </a:solidFill>
+        <a:gradFill rotWithShape="1">
+          <a:gsLst>
+            <a:gs pos="0">
+              <a:schemeClr val="phClr">
+                <a:lumMod val="110000"/>
+                <a:satMod val="105000"/>
+                <a:tint val="67000"/>
+              </a:schemeClr>
+            </a:gs>
+            <a:gs pos="50000">
+              <a:schemeClr val="phClr">
+                <a:lumMod val="105000"/>
+                <a:satMod val="103000"/>
+                <a:tint val="73000"/>
+              </a:schemeClr>
+            </a:gs>
+            <a:gs pos="100000">
+              <a:schemeClr val="phClr">
+                <a:lumMod val="105000"/>
+                <a:satMod val="109000"/>
+                <a:tint val="81000"/>
+              </a:schemeClr>
+            </a:gs>
+          </a:gsLst>
+          <a:lin ang="5400000" scaled="0"/>
+        </a:gradFill>
+        <a:gradFill rotWithShape="1">
+          <a:gsLst>
+            <a:gs pos="0">
+              <a:schemeClr val="phClr">
+                <a:satMod val="103000"/>
+                <a:lumMod val="102000"/>
+                <a:tint val="94000"/>
+              </a:schemeClr>
+            </a:gs>
+            <a:gs pos="50000">
+              <a:schemeClr val="phClr">
+                <a:satMod val="110000"/>
+                <a:lumMod val="100000"/>
+                <a:shade val="100000"/>
+              </a:schemeClr>
+            </a:gs>
+            <a:gs pos="100000">
+              <a:schemeClr val="phClr">
+                <a:lumMod val="99000"/>
+                <a:satMod val="120000"/>
+                <a:shade val="78000"/>
+              </a:schemeClr>
+            </a:gs>
+          </a:gsLst>
+          <a:lin ang="5400000" scaled="0"/>
+        </a:gradFill>
+      </a:fillStyleLst>
+      <a:lnStyleLst>
+        <a:ln w="6350" cap="flat" cmpd="sng" algn="ctr">
+          <a:solidFill>
+            <a:schemeClr val="phClr"/>
+          </a:solidFill>
+          <a:prstDash val="solid"/>
+          <a:miter lim="800000"/>
+        </a:ln>
+        <a:ln w="12700" cap="flat" cmpd="sng" algn="ctr">
+          <a:solidFill>
+            <a:schemeClr val="phClr"/>
+          </a:solidFill>
+          <a:prstDash val="solid"/>
+          <a:miter lim="800000"/>
+        </a:ln>
+        <a:ln w="19050" cap="flat" cmpd="sng" algn="ctr">
+          <a:solidFill>
+            <a:schemeClr val="phClr"/>
+          </a:solidFill>
+          <a:prstDash val="solid"/>
+          <a:miter lim="800000"/>
+        </a:ln>
+      </a:lnStyleLst>
+      <a:effectStyleLst>
+        <a:effectStyle>
+          <a:effectLst/>
+        </a:effectStyle>
+        <a:effectStyle>
+          <a:effectLst/>
+        </a:effectStyle>
+        <a:effectStyle>
+          <a:effectLst>
+            <a:outerShdw blurRad="57150" dist="19050" dir="5400000" algn="ctr" rotWithShape="0">
+              <a:srgbClr val="000000">
+                <a:alpha val="63000"/>
+              </a:srgbClr>
+            </a:outerShdw>
+          </a:effectLst>
+        </a:effectStyle>
+      </a:effectStyleLst>
+      <a:bgFillStyleLst>
+        <a:solidFill>
+          <a:schemeClr val="phClr"/>
+        </a:solidFill>
+        <a:solidFill>
+          <a:schemeClr val="phClr">
+            <a:tint val="95000"/>
+            <a:satMod val="170000"/>
+          </a:schemeClr>
+        </a:solidFill>
+        <a:gradFill rotWithShape="1">
+          <a:gsLst>
+            <a:gs pos="0">
+              <a:schemeClr val="phClr">
+                <a:tint val="93000"/>
+                <a:satMod val="150000"/>
+                <a:shade val="98000"/>
+                <a:lumMod val="102000"/>
+              </a:schemeClr>
+            </a:gs>
+            <a:gs pos="50000">
+              <a:schemeClr val="phClr">
+                <a:tint val="98000"/>
+                <a:satMod val="130000"/>
+                <a:shade val="90000"/>
+                <a:lumMod val="103000"/>
+              </a:schemeClr>
+            </a:gs>
+            <a:gs pos="100000">
+              <a:schemeClr val="phClr">
+                <a:shade val="63000"/>
+                <a:satMod val="120000"/>
+              </a:schemeClr>
+            </a:gs>
+          </a:gsLst>
+          <a:lin ang="5400000" scaled="0"/>
+        </a:gradFill>
+      </a:bgFillStyleLst>
+    </a:fmtScheme>
+  </a:themeElements>
+  <a:objectDefaults/>
+  <a:extraClrSchemeLst/>
+  <a:extLst>
+    <a:ext uri="{05A4C25C-085E-4340-85A3-A5531E510DB2}">
+      <thm15:themeFamily xmlns:thm15="http://schemas.microsoft.com/office/thememl/2012/main" name="Office Theme" id="{62F939B6-93AF-4DB8-9C6B-D6C7DFDC589F}" vid="{4A3C46E8-61CC-4603-A589-7422A47A8E4A}"/>
+    </a:ext>
+  </a:extLst>
+</a:theme>
 </file>